--- a/Project-7/project-7.pptx
+++ b/Project-7/project-7.pptx
@@ -19,6 +19,14 @@
     <p:sldId id="268" r:id="rId13"/>
     <p:sldId id="263" r:id="rId14"/>
     <p:sldId id="270" r:id="rId15"/>
+    <p:sldId id="272" r:id="rId16"/>
+    <p:sldId id="271" r:id="rId17"/>
+    <p:sldId id="273" r:id="rId18"/>
+    <p:sldId id="275" r:id="rId19"/>
+    <p:sldId id="274" r:id="rId20"/>
+    <p:sldId id="278" r:id="rId21"/>
+    <p:sldId id="279" r:id="rId22"/>
+    <p:sldId id="276" r:id="rId23"/>
   </p:sldIdLst>
   <p:sldSz cx="12192000" cy="6858000"/>
   <p:notesSz cx="6858000" cy="9144000"/>
@@ -117,6 +125,11 @@
       </a:defRPr>
     </a:lvl9pPr>
   </p:defaultTextStyle>
+  <p:extLst>
+    <p:ext uri="{EFAFB233-063F-42B5-8137-9DF3F51BA10A}">
+      <p15:sldGuideLst xmlns:p15="http://schemas.microsoft.com/office/powerpoint/2012/main"/>
+    </p:ext>
+  </p:extLst>
 </p:presentation>
 </file>
 
@@ -11642,6 +11655,1988 @@
 </p:sld>
 </file>
 
+<file path=ppt/slides/slide15.xml><?xml version="1.0" encoding="utf-8"?>
+<p:sld xmlns:a="http://schemas.openxmlformats.org/drawingml/2006/main" xmlns:r="http://schemas.openxmlformats.org/officeDocument/2006/relationships" xmlns:p="http://schemas.openxmlformats.org/presentationml/2006/main">
+  <p:cSld>
+    <p:spTree>
+      <p:nvGrpSpPr>
+        <p:cNvPr id="1" name=""/>
+        <p:cNvGrpSpPr/>
+        <p:nvPr/>
+      </p:nvGrpSpPr>
+      <p:grpSpPr>
+        <a:xfrm>
+          <a:off x="0" y="0"/>
+          <a:ext cx="0" cy="0"/>
+          <a:chOff x="0" y="0"/>
+          <a:chExt cx="0" cy="0"/>
+        </a:xfrm>
+      </p:grpSpPr>
+      <p:sp>
+        <p:nvSpPr>
+          <p:cNvPr id="4" name="标题 3">
+            <a:extLst>
+              <a:ext uri="{FF2B5EF4-FFF2-40B4-BE49-F238E27FC236}">
+                <a16:creationId xmlns:a16="http://schemas.microsoft.com/office/drawing/2014/main" id="{E2A5AEB0-9DF5-3828-A9EE-39A29A0A9D65}"/>
+              </a:ext>
+            </a:extLst>
+          </p:cNvPr>
+          <p:cNvSpPr>
+            <a:spLocks noGrp="1"/>
+          </p:cNvSpPr>
+          <p:nvPr>
+            <p:ph type="title"/>
+          </p:nvPr>
+        </p:nvSpPr>
+        <p:spPr>
+          <a:xfrm>
+            <a:off x="831850" y="1709739"/>
+            <a:ext cx="10515600" cy="1719262"/>
+          </a:xfrm>
+        </p:spPr>
+        <p:txBody>
+          <a:bodyPr/>
+          <a:lstStyle/>
+          <a:p>
+            <a:pPr algn="ctr"/>
+            <a:r>
+              <a:rPr lang="en-US" altLang="zh-CN" dirty="0"/>
+              <a:t>Test</a:t>
+            </a:r>
+            <a:endParaRPr lang="zh-CN" altLang="en-US" dirty="0"/>
+          </a:p>
+        </p:txBody>
+      </p:sp>
+      <p:sp>
+        <p:nvSpPr>
+          <p:cNvPr id="5" name="文本占位符 4">
+            <a:extLst>
+              <a:ext uri="{FF2B5EF4-FFF2-40B4-BE49-F238E27FC236}">
+                <a16:creationId xmlns:a16="http://schemas.microsoft.com/office/drawing/2014/main" id="{14412960-C735-EDF7-1986-53BA20D279AC}"/>
+              </a:ext>
+            </a:extLst>
+          </p:cNvPr>
+          <p:cNvSpPr>
+            <a:spLocks noGrp="1"/>
+          </p:cNvSpPr>
+          <p:nvPr>
+            <p:ph type="body" idx="1"/>
+          </p:nvPr>
+        </p:nvSpPr>
+        <p:spPr/>
+        <p:txBody>
+          <a:bodyPr/>
+          <a:lstStyle/>
+          <a:p>
+            <a:endParaRPr lang="zh-CN" altLang="en-US"/>
+          </a:p>
+        </p:txBody>
+      </p:sp>
+    </p:spTree>
+    <p:extLst>
+      <p:ext uri="{BB962C8B-B14F-4D97-AF65-F5344CB8AC3E}">
+        <p14:creationId xmlns:p14="http://schemas.microsoft.com/office/powerpoint/2010/main" val="444043621"/>
+      </p:ext>
+    </p:extLst>
+  </p:cSld>
+  <p:clrMapOvr>
+    <a:masterClrMapping/>
+  </p:clrMapOvr>
+</p:sld>
+</file>
+
+<file path=ppt/slides/slide16.xml><?xml version="1.0" encoding="utf-8"?>
+<p:sld xmlns:a="http://schemas.openxmlformats.org/drawingml/2006/main" xmlns:r="http://schemas.openxmlformats.org/officeDocument/2006/relationships" xmlns:p="http://schemas.openxmlformats.org/presentationml/2006/main">
+  <p:cSld>
+    <p:spTree>
+      <p:nvGrpSpPr>
+        <p:cNvPr id="1" name=""/>
+        <p:cNvGrpSpPr/>
+        <p:nvPr/>
+      </p:nvGrpSpPr>
+      <p:grpSpPr>
+        <a:xfrm>
+          <a:off x="0" y="0"/>
+          <a:ext cx="0" cy="0"/>
+          <a:chOff x="0" y="0"/>
+          <a:chExt cx="0" cy="0"/>
+        </a:xfrm>
+      </p:grpSpPr>
+      <p:sp>
+        <p:nvSpPr>
+          <p:cNvPr id="2" name="标题 1">
+            <a:extLst>
+              <a:ext uri="{FF2B5EF4-FFF2-40B4-BE49-F238E27FC236}">
+                <a16:creationId xmlns:a16="http://schemas.microsoft.com/office/drawing/2014/main" id="{6CDD9542-4498-E31E-3E91-FE71318DD963}"/>
+              </a:ext>
+            </a:extLst>
+          </p:cNvPr>
+          <p:cNvSpPr>
+            <a:spLocks noGrp="1"/>
+          </p:cNvSpPr>
+          <p:nvPr>
+            <p:ph type="title"/>
+          </p:nvPr>
+        </p:nvSpPr>
+        <p:spPr/>
+        <p:txBody>
+          <a:bodyPr/>
+          <a:lstStyle/>
+          <a:p>
+            <a:r>
+              <a:rPr lang="en-US" altLang="zh-CN" dirty="0"/>
+              <a:t>Data generation</a:t>
+            </a:r>
+            <a:endParaRPr lang="zh-CN" altLang="en-US" dirty="0"/>
+          </a:p>
+        </p:txBody>
+      </p:sp>
+      <mc:AlternateContent xmlns:mc="http://schemas.openxmlformats.org/markup-compatibility/2006">
+        <mc:Choice xmlns:a14="http://schemas.microsoft.com/office/drawing/2010/main" Requires="a14">
+          <p:sp>
+            <p:nvSpPr>
+              <p:cNvPr id="3" name="内容占位符 2">
+                <a:extLst>
+                  <a:ext uri="{FF2B5EF4-FFF2-40B4-BE49-F238E27FC236}">
+                    <a16:creationId xmlns:a16="http://schemas.microsoft.com/office/drawing/2014/main" id="{340D3A1B-3EB8-1C51-4DCD-A559EFDAD75D}"/>
+                  </a:ext>
+                </a:extLst>
+              </p:cNvPr>
+              <p:cNvSpPr>
+                <a:spLocks noGrp="1"/>
+              </p:cNvSpPr>
+              <p:nvPr>
+                <p:ph idx="1"/>
+              </p:nvPr>
+            </p:nvSpPr>
+            <p:spPr/>
+            <p:txBody>
+              <a:bodyPr/>
+              <a:lstStyle/>
+              <a:p>
+                <a14:m>
+                  <m:oMath xmlns:m="http://schemas.openxmlformats.org/officeDocument/2006/math">
+                    <m:r>
+                      <a:rPr lang="en-US" altLang="zh-CN" b="0" i="1" smtClean="0">
+                        <a:latin typeface="Cambria Math" panose="02040503050406030204" pitchFamily="18" charset="0"/>
+                      </a:rPr>
+                      <m:t>𝑜𝑝</m:t>
+                    </m:r>
+                    <m:r>
+                      <a:rPr lang="en-US" altLang="zh-CN" b="0" i="1" smtClean="0">
+                        <a:latin typeface="Cambria Math" panose="02040503050406030204" pitchFamily="18" charset="0"/>
+                      </a:rPr>
+                      <m:t>=0</m:t>
+                    </m:r>
+                  </m:oMath>
+                </a14:m>
+                <a:r>
+                  <a:rPr lang="zh-CN" altLang="en-US" dirty="0"/>
+                  <a:t> </a:t>
+                </a:r>
+                <a:r>
+                  <a:rPr lang="en-US" altLang="zh-CN" dirty="0"/>
+                  <a:t>Searching  </a:t>
+                </a:r>
+                <a:endParaRPr lang="en-US" altLang="zh-CN" i="1" dirty="0">
+                  <a:latin typeface="Cambria Math" panose="02040503050406030204" pitchFamily="18" charset="0"/>
+                </a:endParaRPr>
+              </a:p>
+              <a:p>
+                <a14:m>
+                  <m:oMath xmlns:m="http://schemas.openxmlformats.org/officeDocument/2006/math">
+                    <m:r>
+                      <a:rPr lang="en-US" altLang="zh-CN" i="1">
+                        <a:latin typeface="Cambria Math" panose="02040503050406030204" pitchFamily="18" charset="0"/>
+                      </a:rPr>
+                      <m:t>𝑜𝑝</m:t>
+                    </m:r>
+                    <m:r>
+                      <a:rPr lang="en-US" altLang="zh-CN" i="1">
+                        <a:latin typeface="Cambria Math" panose="02040503050406030204" pitchFamily="18" charset="0"/>
+                      </a:rPr>
+                      <m:t>=1</m:t>
+                    </m:r>
+                  </m:oMath>
+                </a14:m>
+                <a:r>
+                  <a:rPr lang="en-US" altLang="zh-CN" dirty="0"/>
+                  <a:t> Insertion </a:t>
+                </a:r>
+              </a:p>
+              <a:p>
+                <a14:m>
+                  <m:oMath xmlns:m="http://schemas.openxmlformats.org/officeDocument/2006/math">
+                    <m:r>
+                      <a:rPr lang="en-US" altLang="zh-CN" i="1">
+                        <a:latin typeface="Cambria Math" panose="02040503050406030204" pitchFamily="18" charset="0"/>
+                      </a:rPr>
+                      <m:t>𝑜𝑝</m:t>
+                    </m:r>
+                    <m:r>
+                      <a:rPr lang="en-US" altLang="zh-CN" i="1">
+                        <a:latin typeface="Cambria Math" panose="02040503050406030204" pitchFamily="18" charset="0"/>
+                      </a:rPr>
+                      <m:t>=2</m:t>
+                    </m:r>
+                  </m:oMath>
+                </a14:m>
+                <a:r>
+                  <a:rPr lang="en-US" altLang="zh-CN" dirty="0"/>
+                  <a:t> Deletion </a:t>
+                </a:r>
+              </a:p>
+              <a:p>
+                <a14:m>
+                  <m:oMath xmlns:m="http://schemas.openxmlformats.org/officeDocument/2006/math">
+                    <m:r>
+                      <a:rPr lang="en-US" altLang="zh-CN" i="1" smtClean="0">
+                        <a:latin typeface="Cambria Math" panose="02040503050406030204" pitchFamily="18" charset="0"/>
+                      </a:rPr>
+                      <m:t>𝑜𝑝</m:t>
+                    </m:r>
+                    <m:r>
+                      <a:rPr lang="en-US" altLang="zh-CN" i="1" smtClean="0">
+                        <a:latin typeface="Cambria Math" panose="02040503050406030204" pitchFamily="18" charset="0"/>
+                      </a:rPr>
+                      <m:t>=3</m:t>
+                    </m:r>
+                  </m:oMath>
+                </a14:m>
+                <a:r>
+                  <a:rPr lang="zh-CN" altLang="en-US" dirty="0"/>
+                  <a:t> </a:t>
+                </a:r>
+                <a:r>
+                  <a:rPr lang="en-US" altLang="zh-CN" dirty="0"/>
+                  <a:t>Find k</a:t>
+                </a:r>
+                <a:r>
+                  <a:rPr lang="en-US" altLang="zh-CN" baseline="30000" dirty="0"/>
+                  <a:t>th</a:t>
+                </a:r>
+              </a:p>
+              <a:p>
+                <a:endParaRPr lang="en-US" altLang="zh-CN" dirty="0"/>
+              </a:p>
+              <a:p>
+                <a:r>
+                  <a:rPr lang="en-US" altLang="zh-CN" dirty="0"/>
+                  <a:t>25% Searching + 50% Insertion + 25% Deletion</a:t>
+                </a:r>
+              </a:p>
+              <a:p>
+                <a:r>
+                  <a:rPr lang="en-US" altLang="zh-CN" dirty="0"/>
+                  <a:t>Deletion: 80% from </a:t>
+                </a:r>
+                <a:r>
+                  <a:rPr lang="en-US" altLang="zh-CN" dirty="0" err="1"/>
+                  <a:t>Skiplist</a:t>
+                </a:r>
+                <a:endParaRPr lang="en-US" altLang="zh-CN" dirty="0"/>
+              </a:p>
+            </p:txBody>
+          </p:sp>
+        </mc:Choice>
+        <mc:Fallback>
+          <p:sp>
+            <p:nvSpPr>
+              <p:cNvPr id="3" name="内容占位符 2">
+                <a:extLst>
+                  <a:ext uri="{FF2B5EF4-FFF2-40B4-BE49-F238E27FC236}">
+                    <a16:creationId xmlns:a16="http://schemas.microsoft.com/office/drawing/2014/main" id="{340D3A1B-3EB8-1C51-4DCD-A559EFDAD75D}"/>
+                  </a:ext>
+                </a:extLst>
+              </p:cNvPr>
+              <p:cNvSpPr>
+                <a:spLocks noGrp="1" noRot="1" noChangeAspect="1" noMove="1" noResize="1" noEditPoints="1" noAdjustHandles="1" noChangeArrowheads="1" noChangeShapeType="1" noTextEdit="1"/>
+              </p:cNvSpPr>
+              <p:nvPr>
+                <p:ph idx="1"/>
+              </p:nvPr>
+            </p:nvSpPr>
+            <p:spPr>
+              <a:blipFill>
+                <a:blip r:embed="rId2"/>
+                <a:stretch>
+                  <a:fillRect l="-1043" t="-2381"/>
+                </a:stretch>
+              </a:blipFill>
+            </p:spPr>
+            <p:txBody>
+              <a:bodyPr/>
+              <a:lstStyle/>
+              <a:p>
+                <a:r>
+                  <a:rPr lang="zh-CN" altLang="en-US">
+                    <a:noFill/>
+                  </a:rPr>
+                  <a:t> </a:t>
+                </a:r>
+              </a:p>
+            </p:txBody>
+          </p:sp>
+        </mc:Fallback>
+      </mc:AlternateContent>
+      <p:pic>
+        <p:nvPicPr>
+          <p:cNvPr id="8" name="图片 7">
+            <a:extLst>
+              <a:ext uri="{FF2B5EF4-FFF2-40B4-BE49-F238E27FC236}">
+                <a16:creationId xmlns:a16="http://schemas.microsoft.com/office/drawing/2014/main" id="{ACD27C2E-9603-5B43-AA2D-3E0BCF45ED73}"/>
+              </a:ext>
+            </a:extLst>
+          </p:cNvPr>
+          <p:cNvPicPr>
+            <a:picLocks noChangeAspect="1"/>
+          </p:cNvPicPr>
+          <p:nvPr/>
+        </p:nvPicPr>
+        <p:blipFill>
+          <a:blip r:embed="rId3"/>
+          <a:srcRect b="49509"/>
+          <a:stretch/>
+        </p:blipFill>
+        <p:spPr>
+          <a:xfrm>
+            <a:off x="4513233" y="1825625"/>
+            <a:ext cx="2872989" cy="2297096"/>
+          </a:xfrm>
+          <a:prstGeom prst="rect">
+            <a:avLst/>
+          </a:prstGeom>
+        </p:spPr>
+      </p:pic>
+      <p:pic>
+        <p:nvPicPr>
+          <p:cNvPr id="10" name="图片 9">
+            <a:extLst>
+              <a:ext uri="{FF2B5EF4-FFF2-40B4-BE49-F238E27FC236}">
+                <a16:creationId xmlns:a16="http://schemas.microsoft.com/office/drawing/2014/main" id="{F489BF5D-E517-7704-62A6-098BCA9F14C0}"/>
+              </a:ext>
+            </a:extLst>
+          </p:cNvPr>
+          <p:cNvPicPr>
+            <a:picLocks noChangeAspect="1"/>
+          </p:cNvPicPr>
+          <p:nvPr/>
+        </p:nvPicPr>
+        <p:blipFill>
+          <a:blip r:embed="rId4"/>
+          <a:stretch>
+            <a:fillRect/>
+          </a:stretch>
+        </p:blipFill>
+        <p:spPr>
+          <a:xfrm>
+            <a:off x="6096000" y="4936800"/>
+            <a:ext cx="5257800" cy="1669539"/>
+          </a:xfrm>
+          <a:prstGeom prst="rect">
+            <a:avLst/>
+          </a:prstGeom>
+        </p:spPr>
+      </p:pic>
+    </p:spTree>
+    <p:extLst>
+      <p:ext uri="{BB962C8B-B14F-4D97-AF65-F5344CB8AC3E}">
+        <p14:creationId xmlns:p14="http://schemas.microsoft.com/office/powerpoint/2010/main" val="2951923416"/>
+      </p:ext>
+    </p:extLst>
+  </p:cSld>
+  <p:clrMapOvr>
+    <a:masterClrMapping/>
+  </p:clrMapOvr>
+  <p:timing>
+    <p:tnLst>
+      <p:par>
+        <p:cTn id="1" dur="indefinite" restart="never" nodeType="tmRoot">
+          <p:childTnLst>
+            <p:seq concurrent="1" nextAc="seek">
+              <p:cTn id="2" dur="indefinite" nodeType="mainSeq">
+                <p:childTnLst>
+                  <p:par>
+                    <p:cTn id="3" fill="hold">
+                      <p:stCondLst>
+                        <p:cond delay="indefinite"/>
+                      </p:stCondLst>
+                      <p:childTnLst>
+                        <p:par>
+                          <p:cTn id="4" fill="hold">
+                            <p:stCondLst>
+                              <p:cond delay="0"/>
+                            </p:stCondLst>
+                            <p:childTnLst>
+                              <p:par>
+                                <p:cTn id="5" presetID="10" presetClass="entr" presetSubtype="0" fill="hold" nodeType="clickEffect">
+                                  <p:stCondLst>
+                                    <p:cond delay="0"/>
+                                  </p:stCondLst>
+                                  <p:childTnLst>
+                                    <p:set>
+                                      <p:cBhvr>
+                                        <p:cTn id="6" dur="1" fill="hold">
+                                          <p:stCondLst>
+                                            <p:cond delay="0"/>
+                                          </p:stCondLst>
+                                        </p:cTn>
+                                        <p:tgtEl>
+                                          <p:spTgt spid="3">
+                                            <p:txEl>
+                                              <p:pRg st="0" end="0"/>
+                                            </p:txEl>
+                                          </p:spTgt>
+                                        </p:tgtEl>
+                                        <p:attrNameLst>
+                                          <p:attrName>style.visibility</p:attrName>
+                                        </p:attrNameLst>
+                                      </p:cBhvr>
+                                      <p:to>
+                                        <p:strVal val="visible"/>
+                                      </p:to>
+                                    </p:set>
+                                    <p:animEffect transition="in" filter="fade">
+                                      <p:cBhvr>
+                                        <p:cTn id="7" dur="500"/>
+                                        <p:tgtEl>
+                                          <p:spTgt spid="3">
+                                            <p:txEl>
+                                              <p:pRg st="0" end="0"/>
+                                            </p:txEl>
+                                          </p:spTgt>
+                                        </p:tgtEl>
+                                      </p:cBhvr>
+                                    </p:animEffect>
+                                  </p:childTnLst>
+                                </p:cTn>
+                              </p:par>
+                              <p:par>
+                                <p:cTn id="8" presetID="10" presetClass="entr" presetSubtype="0" fill="hold" nodeType="withEffect">
+                                  <p:stCondLst>
+                                    <p:cond delay="0"/>
+                                  </p:stCondLst>
+                                  <p:childTnLst>
+                                    <p:set>
+                                      <p:cBhvr>
+                                        <p:cTn id="9" dur="1" fill="hold">
+                                          <p:stCondLst>
+                                            <p:cond delay="0"/>
+                                          </p:stCondLst>
+                                        </p:cTn>
+                                        <p:tgtEl>
+                                          <p:spTgt spid="3">
+                                            <p:txEl>
+                                              <p:pRg st="1" end="1"/>
+                                            </p:txEl>
+                                          </p:spTgt>
+                                        </p:tgtEl>
+                                        <p:attrNameLst>
+                                          <p:attrName>style.visibility</p:attrName>
+                                        </p:attrNameLst>
+                                      </p:cBhvr>
+                                      <p:to>
+                                        <p:strVal val="visible"/>
+                                      </p:to>
+                                    </p:set>
+                                    <p:animEffect transition="in" filter="fade">
+                                      <p:cBhvr>
+                                        <p:cTn id="10" dur="500"/>
+                                        <p:tgtEl>
+                                          <p:spTgt spid="3">
+                                            <p:txEl>
+                                              <p:pRg st="1" end="1"/>
+                                            </p:txEl>
+                                          </p:spTgt>
+                                        </p:tgtEl>
+                                      </p:cBhvr>
+                                    </p:animEffect>
+                                  </p:childTnLst>
+                                </p:cTn>
+                              </p:par>
+                              <p:par>
+                                <p:cTn id="11" presetID="10" presetClass="entr" presetSubtype="0" fill="hold" nodeType="withEffect">
+                                  <p:stCondLst>
+                                    <p:cond delay="0"/>
+                                  </p:stCondLst>
+                                  <p:childTnLst>
+                                    <p:set>
+                                      <p:cBhvr>
+                                        <p:cTn id="12" dur="1" fill="hold">
+                                          <p:stCondLst>
+                                            <p:cond delay="0"/>
+                                          </p:stCondLst>
+                                        </p:cTn>
+                                        <p:tgtEl>
+                                          <p:spTgt spid="3">
+                                            <p:txEl>
+                                              <p:pRg st="2" end="2"/>
+                                            </p:txEl>
+                                          </p:spTgt>
+                                        </p:tgtEl>
+                                        <p:attrNameLst>
+                                          <p:attrName>style.visibility</p:attrName>
+                                        </p:attrNameLst>
+                                      </p:cBhvr>
+                                      <p:to>
+                                        <p:strVal val="visible"/>
+                                      </p:to>
+                                    </p:set>
+                                    <p:animEffect transition="in" filter="fade">
+                                      <p:cBhvr>
+                                        <p:cTn id="13" dur="500"/>
+                                        <p:tgtEl>
+                                          <p:spTgt spid="3">
+                                            <p:txEl>
+                                              <p:pRg st="2" end="2"/>
+                                            </p:txEl>
+                                          </p:spTgt>
+                                        </p:tgtEl>
+                                      </p:cBhvr>
+                                    </p:animEffect>
+                                  </p:childTnLst>
+                                </p:cTn>
+                              </p:par>
+                              <p:par>
+                                <p:cTn id="14" presetID="10" presetClass="entr" presetSubtype="0" fill="hold" nodeType="withEffect">
+                                  <p:stCondLst>
+                                    <p:cond delay="0"/>
+                                  </p:stCondLst>
+                                  <p:childTnLst>
+                                    <p:set>
+                                      <p:cBhvr>
+                                        <p:cTn id="15" dur="1" fill="hold">
+                                          <p:stCondLst>
+                                            <p:cond delay="0"/>
+                                          </p:stCondLst>
+                                        </p:cTn>
+                                        <p:tgtEl>
+                                          <p:spTgt spid="3">
+                                            <p:txEl>
+                                              <p:pRg st="3" end="3"/>
+                                            </p:txEl>
+                                          </p:spTgt>
+                                        </p:tgtEl>
+                                        <p:attrNameLst>
+                                          <p:attrName>style.visibility</p:attrName>
+                                        </p:attrNameLst>
+                                      </p:cBhvr>
+                                      <p:to>
+                                        <p:strVal val="visible"/>
+                                      </p:to>
+                                    </p:set>
+                                    <p:animEffect transition="in" filter="fade">
+                                      <p:cBhvr>
+                                        <p:cTn id="16" dur="500"/>
+                                        <p:tgtEl>
+                                          <p:spTgt spid="3">
+                                            <p:txEl>
+                                              <p:pRg st="3" end="3"/>
+                                            </p:txEl>
+                                          </p:spTgt>
+                                        </p:tgtEl>
+                                      </p:cBhvr>
+                                    </p:animEffect>
+                                  </p:childTnLst>
+                                </p:cTn>
+                              </p:par>
+                              <p:par>
+                                <p:cTn id="17" presetID="10" presetClass="entr" presetSubtype="0" fill="hold" nodeType="withEffect">
+                                  <p:stCondLst>
+                                    <p:cond delay="0"/>
+                                  </p:stCondLst>
+                                  <p:childTnLst>
+                                    <p:set>
+                                      <p:cBhvr>
+                                        <p:cTn id="18" dur="1" fill="hold">
+                                          <p:stCondLst>
+                                            <p:cond delay="0"/>
+                                          </p:stCondLst>
+                                        </p:cTn>
+                                        <p:tgtEl>
+                                          <p:spTgt spid="8"/>
+                                        </p:tgtEl>
+                                        <p:attrNameLst>
+                                          <p:attrName>style.visibility</p:attrName>
+                                        </p:attrNameLst>
+                                      </p:cBhvr>
+                                      <p:to>
+                                        <p:strVal val="visible"/>
+                                      </p:to>
+                                    </p:set>
+                                    <p:animEffect transition="in" filter="fade">
+                                      <p:cBhvr>
+                                        <p:cTn id="19" dur="500"/>
+                                        <p:tgtEl>
+                                          <p:spTgt spid="8"/>
+                                        </p:tgtEl>
+                                      </p:cBhvr>
+                                    </p:animEffect>
+                                  </p:childTnLst>
+                                </p:cTn>
+                              </p:par>
+                            </p:childTnLst>
+                          </p:cTn>
+                        </p:par>
+                      </p:childTnLst>
+                    </p:cTn>
+                  </p:par>
+                  <p:par>
+                    <p:cTn id="20" fill="hold">
+                      <p:stCondLst>
+                        <p:cond delay="indefinite"/>
+                      </p:stCondLst>
+                      <p:childTnLst>
+                        <p:par>
+                          <p:cTn id="21" fill="hold">
+                            <p:stCondLst>
+                              <p:cond delay="0"/>
+                            </p:stCondLst>
+                            <p:childTnLst>
+                              <p:par>
+                                <p:cTn id="22" presetID="10" presetClass="entr" presetSubtype="0" fill="hold" nodeType="clickEffect">
+                                  <p:stCondLst>
+                                    <p:cond delay="0"/>
+                                  </p:stCondLst>
+                                  <p:childTnLst>
+                                    <p:set>
+                                      <p:cBhvr>
+                                        <p:cTn id="23" dur="1" fill="hold">
+                                          <p:stCondLst>
+                                            <p:cond delay="0"/>
+                                          </p:stCondLst>
+                                        </p:cTn>
+                                        <p:tgtEl>
+                                          <p:spTgt spid="3">
+                                            <p:txEl>
+                                              <p:pRg st="5" end="5"/>
+                                            </p:txEl>
+                                          </p:spTgt>
+                                        </p:tgtEl>
+                                        <p:attrNameLst>
+                                          <p:attrName>style.visibility</p:attrName>
+                                        </p:attrNameLst>
+                                      </p:cBhvr>
+                                      <p:to>
+                                        <p:strVal val="visible"/>
+                                      </p:to>
+                                    </p:set>
+                                    <p:animEffect transition="in" filter="fade">
+                                      <p:cBhvr>
+                                        <p:cTn id="24" dur="500"/>
+                                        <p:tgtEl>
+                                          <p:spTgt spid="3">
+                                            <p:txEl>
+                                              <p:pRg st="5" end="5"/>
+                                            </p:txEl>
+                                          </p:spTgt>
+                                        </p:tgtEl>
+                                      </p:cBhvr>
+                                    </p:animEffect>
+                                  </p:childTnLst>
+                                </p:cTn>
+                              </p:par>
+                            </p:childTnLst>
+                          </p:cTn>
+                        </p:par>
+                      </p:childTnLst>
+                    </p:cTn>
+                  </p:par>
+                  <p:par>
+                    <p:cTn id="25" fill="hold">
+                      <p:stCondLst>
+                        <p:cond delay="indefinite"/>
+                      </p:stCondLst>
+                      <p:childTnLst>
+                        <p:par>
+                          <p:cTn id="26" fill="hold">
+                            <p:stCondLst>
+                              <p:cond delay="0"/>
+                            </p:stCondLst>
+                            <p:childTnLst>
+                              <p:par>
+                                <p:cTn id="27" presetID="10" presetClass="entr" presetSubtype="0" fill="hold" nodeType="clickEffect">
+                                  <p:stCondLst>
+                                    <p:cond delay="0"/>
+                                  </p:stCondLst>
+                                  <p:childTnLst>
+                                    <p:set>
+                                      <p:cBhvr>
+                                        <p:cTn id="28" dur="1" fill="hold">
+                                          <p:stCondLst>
+                                            <p:cond delay="0"/>
+                                          </p:stCondLst>
+                                        </p:cTn>
+                                        <p:tgtEl>
+                                          <p:spTgt spid="3">
+                                            <p:txEl>
+                                              <p:pRg st="6" end="6"/>
+                                            </p:txEl>
+                                          </p:spTgt>
+                                        </p:tgtEl>
+                                        <p:attrNameLst>
+                                          <p:attrName>style.visibility</p:attrName>
+                                        </p:attrNameLst>
+                                      </p:cBhvr>
+                                      <p:to>
+                                        <p:strVal val="visible"/>
+                                      </p:to>
+                                    </p:set>
+                                    <p:animEffect transition="in" filter="fade">
+                                      <p:cBhvr>
+                                        <p:cTn id="29" dur="500"/>
+                                        <p:tgtEl>
+                                          <p:spTgt spid="3">
+                                            <p:txEl>
+                                              <p:pRg st="6" end="6"/>
+                                            </p:txEl>
+                                          </p:spTgt>
+                                        </p:tgtEl>
+                                      </p:cBhvr>
+                                    </p:animEffect>
+                                  </p:childTnLst>
+                                </p:cTn>
+                              </p:par>
+                              <p:par>
+                                <p:cTn id="30" presetID="10" presetClass="entr" presetSubtype="0" fill="hold" nodeType="withEffect">
+                                  <p:stCondLst>
+                                    <p:cond delay="0"/>
+                                  </p:stCondLst>
+                                  <p:childTnLst>
+                                    <p:set>
+                                      <p:cBhvr>
+                                        <p:cTn id="31" dur="1" fill="hold">
+                                          <p:stCondLst>
+                                            <p:cond delay="0"/>
+                                          </p:stCondLst>
+                                        </p:cTn>
+                                        <p:tgtEl>
+                                          <p:spTgt spid="10"/>
+                                        </p:tgtEl>
+                                        <p:attrNameLst>
+                                          <p:attrName>style.visibility</p:attrName>
+                                        </p:attrNameLst>
+                                      </p:cBhvr>
+                                      <p:to>
+                                        <p:strVal val="visible"/>
+                                      </p:to>
+                                    </p:set>
+                                    <p:animEffect transition="in" filter="fade">
+                                      <p:cBhvr>
+                                        <p:cTn id="32" dur="500"/>
+                                        <p:tgtEl>
+                                          <p:spTgt spid="10"/>
+                                        </p:tgtEl>
+                                      </p:cBhvr>
+                                    </p:animEffect>
+                                  </p:childTnLst>
+                                </p:cTn>
+                              </p:par>
+                            </p:childTnLst>
+                          </p:cTn>
+                        </p:par>
+                      </p:childTnLst>
+                    </p:cTn>
+                  </p:par>
+                </p:childTnLst>
+              </p:cTn>
+              <p:prevCondLst>
+                <p:cond evt="onPrev" delay="0">
+                  <p:tgtEl>
+                    <p:sldTgt/>
+                  </p:tgtEl>
+                </p:cond>
+              </p:prevCondLst>
+              <p:nextCondLst>
+                <p:cond evt="onNext" delay="0">
+                  <p:tgtEl>
+                    <p:sldTgt/>
+                  </p:tgtEl>
+                </p:cond>
+              </p:nextCondLst>
+            </p:seq>
+          </p:childTnLst>
+        </p:cTn>
+      </p:par>
+    </p:tnLst>
+  </p:timing>
+</p:sld>
+</file>
+
+<file path=ppt/slides/slide17.xml><?xml version="1.0" encoding="utf-8"?>
+<p:sld xmlns:a="http://schemas.openxmlformats.org/drawingml/2006/main" xmlns:r="http://schemas.openxmlformats.org/officeDocument/2006/relationships" xmlns:p="http://schemas.openxmlformats.org/presentationml/2006/main">
+  <p:cSld>
+    <p:spTree>
+      <p:nvGrpSpPr>
+        <p:cNvPr id="1" name=""/>
+        <p:cNvGrpSpPr/>
+        <p:nvPr/>
+      </p:nvGrpSpPr>
+      <p:grpSpPr>
+        <a:xfrm>
+          <a:off x="0" y="0"/>
+          <a:ext cx="0" cy="0"/>
+          <a:chOff x="0" y="0"/>
+          <a:chExt cx="0" cy="0"/>
+        </a:xfrm>
+      </p:grpSpPr>
+      <p:sp>
+        <p:nvSpPr>
+          <p:cNvPr id="2" name="标题 1">
+            <a:extLst>
+              <a:ext uri="{FF2B5EF4-FFF2-40B4-BE49-F238E27FC236}">
+                <a16:creationId xmlns:a16="http://schemas.microsoft.com/office/drawing/2014/main" id="{FF58F41D-9BCB-7187-9EBF-90478A13CACB}"/>
+              </a:ext>
+            </a:extLst>
+          </p:cNvPr>
+          <p:cNvSpPr>
+            <a:spLocks noGrp="1"/>
+          </p:cNvSpPr>
+          <p:nvPr>
+            <p:ph type="title"/>
+          </p:nvPr>
+        </p:nvSpPr>
+        <p:spPr/>
+        <p:txBody>
+          <a:bodyPr/>
+          <a:lstStyle/>
+          <a:p>
+            <a:r>
+              <a:rPr lang="en-US" altLang="zh-CN" dirty="0"/>
+              <a:t>Correctness</a:t>
+            </a:r>
+            <a:endParaRPr lang="zh-CN" altLang="en-US" dirty="0"/>
+          </a:p>
+        </p:txBody>
+      </p:sp>
+      <p:sp>
+        <p:nvSpPr>
+          <p:cNvPr id="3" name="内容占位符 2">
+            <a:extLst>
+              <a:ext uri="{FF2B5EF4-FFF2-40B4-BE49-F238E27FC236}">
+                <a16:creationId xmlns:a16="http://schemas.microsoft.com/office/drawing/2014/main" id="{A65C98A0-35E0-54D1-B12B-AFAB65C28675}"/>
+              </a:ext>
+            </a:extLst>
+          </p:cNvPr>
+          <p:cNvSpPr>
+            <a:spLocks noGrp="1"/>
+          </p:cNvSpPr>
+          <p:nvPr>
+            <p:ph idx="1"/>
+          </p:nvPr>
+        </p:nvSpPr>
+        <p:spPr>
+          <a:xfrm>
+            <a:off x="855216" y="1887769"/>
+            <a:ext cx="3778928" cy="4351338"/>
+          </a:xfrm>
+        </p:spPr>
+        <p:txBody>
+          <a:bodyPr/>
+          <a:lstStyle/>
+          <a:p>
+            <a:r>
+              <a:rPr lang="en-US" altLang="zh-CN" b="1" dirty="0" err="1"/>
+              <a:t>SkipList</a:t>
+            </a:r>
+            <a:r>
+              <a:rPr lang="en-US" altLang="zh-CN" dirty="0"/>
+              <a:t> versus </a:t>
+            </a:r>
+            <a:r>
+              <a:rPr lang="en-US" altLang="zh-CN" b="1" dirty="0"/>
+              <a:t>map</a:t>
+            </a:r>
+            <a:r>
+              <a:rPr lang="en-US" altLang="zh-CN" dirty="0"/>
+              <a:t> versus </a:t>
+            </a:r>
+            <a:r>
+              <a:rPr lang="en-US" altLang="zh-CN" b="1" dirty="0"/>
+              <a:t>Red-black tree </a:t>
+            </a:r>
+          </a:p>
+          <a:p>
+            <a:r>
+              <a:rPr lang="en-US" altLang="zh-CN" sz="3600" b="1" dirty="0"/>
+              <a:t>Correct!</a:t>
+            </a:r>
+            <a:endParaRPr lang="zh-CN" altLang="en-US" sz="3600" b="1" dirty="0"/>
+          </a:p>
+        </p:txBody>
+      </p:sp>
+      <p:pic>
+        <p:nvPicPr>
+          <p:cNvPr id="5" name="图片 4">
+            <a:extLst>
+              <a:ext uri="{FF2B5EF4-FFF2-40B4-BE49-F238E27FC236}">
+                <a16:creationId xmlns:a16="http://schemas.microsoft.com/office/drawing/2014/main" id="{8C50D80B-2F03-4D86-F7C3-2B88A8369751}"/>
+              </a:ext>
+            </a:extLst>
+          </p:cNvPr>
+          <p:cNvPicPr>
+            <a:picLocks noChangeAspect="1"/>
+          </p:cNvPicPr>
+          <p:nvPr/>
+        </p:nvPicPr>
+        <p:blipFill>
+          <a:blip r:embed="rId2"/>
+          <a:stretch>
+            <a:fillRect/>
+          </a:stretch>
+        </p:blipFill>
+        <p:spPr>
+          <a:xfrm>
+            <a:off x="6096000" y="3429000"/>
+            <a:ext cx="4587638" cy="2522439"/>
+          </a:xfrm>
+          <a:prstGeom prst="rect">
+            <a:avLst/>
+          </a:prstGeom>
+        </p:spPr>
+      </p:pic>
+      <p:pic>
+        <p:nvPicPr>
+          <p:cNvPr id="7" name="图片 6">
+            <a:extLst>
+              <a:ext uri="{FF2B5EF4-FFF2-40B4-BE49-F238E27FC236}">
+                <a16:creationId xmlns:a16="http://schemas.microsoft.com/office/drawing/2014/main" id="{FACC5E41-983D-C1FC-98CE-987609CD456A}"/>
+              </a:ext>
+            </a:extLst>
+          </p:cNvPr>
+          <p:cNvPicPr>
+            <a:picLocks noChangeAspect="1"/>
+          </p:cNvPicPr>
+          <p:nvPr/>
+        </p:nvPicPr>
+        <p:blipFill>
+          <a:blip r:embed="rId3"/>
+          <a:stretch>
+            <a:fillRect/>
+          </a:stretch>
+        </p:blipFill>
+        <p:spPr>
+          <a:xfrm>
+            <a:off x="4900474" y="842197"/>
+            <a:ext cx="6755907" cy="1696981"/>
+          </a:xfrm>
+          <a:prstGeom prst="rect">
+            <a:avLst/>
+          </a:prstGeom>
+        </p:spPr>
+      </p:pic>
+      <p:pic>
+        <p:nvPicPr>
+          <p:cNvPr id="9" name="图片 8">
+            <a:extLst>
+              <a:ext uri="{FF2B5EF4-FFF2-40B4-BE49-F238E27FC236}">
+                <a16:creationId xmlns:a16="http://schemas.microsoft.com/office/drawing/2014/main" id="{F33AD259-746F-2675-2966-2A7699AE76B8}"/>
+              </a:ext>
+            </a:extLst>
+          </p:cNvPr>
+          <p:cNvPicPr>
+            <a:picLocks noChangeAspect="1"/>
+          </p:cNvPicPr>
+          <p:nvPr/>
+        </p:nvPicPr>
+        <p:blipFill>
+          <a:blip r:embed="rId4"/>
+          <a:stretch>
+            <a:fillRect/>
+          </a:stretch>
+        </p:blipFill>
+        <p:spPr>
+          <a:xfrm>
+            <a:off x="1258651" y="3830978"/>
+            <a:ext cx="2972058" cy="2408129"/>
+          </a:xfrm>
+          <a:prstGeom prst="rect">
+            <a:avLst/>
+          </a:prstGeom>
+        </p:spPr>
+      </p:pic>
+    </p:spTree>
+    <p:extLst>
+      <p:ext uri="{BB962C8B-B14F-4D97-AF65-F5344CB8AC3E}">
+        <p14:creationId xmlns:p14="http://schemas.microsoft.com/office/powerpoint/2010/main" val="1597075469"/>
+      </p:ext>
+    </p:extLst>
+  </p:cSld>
+  <p:clrMapOvr>
+    <a:masterClrMapping/>
+  </p:clrMapOvr>
+  <p:timing>
+    <p:tnLst>
+      <p:par>
+        <p:cTn id="1" dur="indefinite" restart="never" nodeType="tmRoot">
+          <p:childTnLst>
+            <p:seq concurrent="1" nextAc="seek">
+              <p:cTn id="2" dur="indefinite" nodeType="mainSeq">
+                <p:childTnLst>
+                  <p:par>
+                    <p:cTn id="3" fill="hold">
+                      <p:stCondLst>
+                        <p:cond delay="indefinite"/>
+                      </p:stCondLst>
+                      <p:childTnLst>
+                        <p:par>
+                          <p:cTn id="4" fill="hold">
+                            <p:stCondLst>
+                              <p:cond delay="0"/>
+                            </p:stCondLst>
+                            <p:childTnLst>
+                              <p:par>
+                                <p:cTn id="5" presetID="10" presetClass="entr" presetSubtype="0" fill="hold" nodeType="clickEffect">
+                                  <p:stCondLst>
+                                    <p:cond delay="0"/>
+                                  </p:stCondLst>
+                                  <p:childTnLst>
+                                    <p:set>
+                                      <p:cBhvr>
+                                        <p:cTn id="6" dur="1" fill="hold">
+                                          <p:stCondLst>
+                                            <p:cond delay="0"/>
+                                          </p:stCondLst>
+                                        </p:cTn>
+                                        <p:tgtEl>
+                                          <p:spTgt spid="7"/>
+                                        </p:tgtEl>
+                                        <p:attrNameLst>
+                                          <p:attrName>style.visibility</p:attrName>
+                                        </p:attrNameLst>
+                                      </p:cBhvr>
+                                      <p:to>
+                                        <p:strVal val="visible"/>
+                                      </p:to>
+                                    </p:set>
+                                    <p:animEffect transition="in" filter="fade">
+                                      <p:cBhvr>
+                                        <p:cTn id="7" dur="500"/>
+                                        <p:tgtEl>
+                                          <p:spTgt spid="7"/>
+                                        </p:tgtEl>
+                                      </p:cBhvr>
+                                    </p:animEffect>
+                                  </p:childTnLst>
+                                </p:cTn>
+                              </p:par>
+                            </p:childTnLst>
+                          </p:cTn>
+                        </p:par>
+                      </p:childTnLst>
+                    </p:cTn>
+                  </p:par>
+                  <p:par>
+                    <p:cTn id="8" fill="hold">
+                      <p:stCondLst>
+                        <p:cond delay="indefinite"/>
+                      </p:stCondLst>
+                      <p:childTnLst>
+                        <p:par>
+                          <p:cTn id="9" fill="hold">
+                            <p:stCondLst>
+                              <p:cond delay="0"/>
+                            </p:stCondLst>
+                            <p:childTnLst>
+                              <p:par>
+                                <p:cTn id="10" presetID="10" presetClass="entr" presetSubtype="0" fill="hold" nodeType="clickEffect">
+                                  <p:stCondLst>
+                                    <p:cond delay="0"/>
+                                  </p:stCondLst>
+                                  <p:childTnLst>
+                                    <p:set>
+                                      <p:cBhvr>
+                                        <p:cTn id="11" dur="1" fill="hold">
+                                          <p:stCondLst>
+                                            <p:cond delay="0"/>
+                                          </p:stCondLst>
+                                        </p:cTn>
+                                        <p:tgtEl>
+                                          <p:spTgt spid="5"/>
+                                        </p:tgtEl>
+                                        <p:attrNameLst>
+                                          <p:attrName>style.visibility</p:attrName>
+                                        </p:attrNameLst>
+                                      </p:cBhvr>
+                                      <p:to>
+                                        <p:strVal val="visible"/>
+                                      </p:to>
+                                    </p:set>
+                                    <p:animEffect transition="in" filter="fade">
+                                      <p:cBhvr>
+                                        <p:cTn id="12" dur="500"/>
+                                        <p:tgtEl>
+                                          <p:spTgt spid="5"/>
+                                        </p:tgtEl>
+                                      </p:cBhvr>
+                                    </p:animEffect>
+                                  </p:childTnLst>
+                                </p:cTn>
+                              </p:par>
+                            </p:childTnLst>
+                          </p:cTn>
+                        </p:par>
+                      </p:childTnLst>
+                    </p:cTn>
+                  </p:par>
+                  <p:par>
+                    <p:cTn id="13" fill="hold">
+                      <p:stCondLst>
+                        <p:cond delay="indefinite"/>
+                      </p:stCondLst>
+                      <p:childTnLst>
+                        <p:par>
+                          <p:cTn id="14" fill="hold">
+                            <p:stCondLst>
+                              <p:cond delay="0"/>
+                            </p:stCondLst>
+                            <p:childTnLst>
+                              <p:par>
+                                <p:cTn id="15" presetID="10" presetClass="entr" presetSubtype="0" fill="hold" nodeType="clickEffect">
+                                  <p:stCondLst>
+                                    <p:cond delay="0"/>
+                                  </p:stCondLst>
+                                  <p:childTnLst>
+                                    <p:set>
+                                      <p:cBhvr>
+                                        <p:cTn id="16" dur="1" fill="hold">
+                                          <p:stCondLst>
+                                            <p:cond delay="0"/>
+                                          </p:stCondLst>
+                                        </p:cTn>
+                                        <p:tgtEl>
+                                          <p:spTgt spid="3">
+                                            <p:txEl>
+                                              <p:pRg st="1" end="1"/>
+                                            </p:txEl>
+                                          </p:spTgt>
+                                        </p:tgtEl>
+                                        <p:attrNameLst>
+                                          <p:attrName>style.visibility</p:attrName>
+                                        </p:attrNameLst>
+                                      </p:cBhvr>
+                                      <p:to>
+                                        <p:strVal val="visible"/>
+                                      </p:to>
+                                    </p:set>
+                                    <p:animEffect transition="in" filter="fade">
+                                      <p:cBhvr>
+                                        <p:cTn id="17" dur="500"/>
+                                        <p:tgtEl>
+                                          <p:spTgt spid="3">
+                                            <p:txEl>
+                                              <p:pRg st="1" end="1"/>
+                                            </p:txEl>
+                                          </p:spTgt>
+                                        </p:tgtEl>
+                                      </p:cBhvr>
+                                    </p:animEffect>
+                                  </p:childTnLst>
+                                </p:cTn>
+                              </p:par>
+                            </p:childTnLst>
+                          </p:cTn>
+                        </p:par>
+                      </p:childTnLst>
+                    </p:cTn>
+                  </p:par>
+                  <p:par>
+                    <p:cTn id="18" fill="hold">
+                      <p:stCondLst>
+                        <p:cond delay="indefinite"/>
+                      </p:stCondLst>
+                      <p:childTnLst>
+                        <p:par>
+                          <p:cTn id="19" fill="hold">
+                            <p:stCondLst>
+                              <p:cond delay="0"/>
+                            </p:stCondLst>
+                            <p:childTnLst>
+                              <p:par>
+                                <p:cTn id="20" presetID="10" presetClass="entr" presetSubtype="0" fill="hold" nodeType="clickEffect">
+                                  <p:stCondLst>
+                                    <p:cond delay="0"/>
+                                  </p:stCondLst>
+                                  <p:childTnLst>
+                                    <p:set>
+                                      <p:cBhvr>
+                                        <p:cTn id="21" dur="1" fill="hold">
+                                          <p:stCondLst>
+                                            <p:cond delay="0"/>
+                                          </p:stCondLst>
+                                        </p:cTn>
+                                        <p:tgtEl>
+                                          <p:spTgt spid="9"/>
+                                        </p:tgtEl>
+                                        <p:attrNameLst>
+                                          <p:attrName>style.visibility</p:attrName>
+                                        </p:attrNameLst>
+                                      </p:cBhvr>
+                                      <p:to>
+                                        <p:strVal val="visible"/>
+                                      </p:to>
+                                    </p:set>
+                                    <p:animEffect transition="in" filter="fade">
+                                      <p:cBhvr>
+                                        <p:cTn id="22" dur="500"/>
+                                        <p:tgtEl>
+                                          <p:spTgt spid="9"/>
+                                        </p:tgtEl>
+                                      </p:cBhvr>
+                                    </p:animEffect>
+                                  </p:childTnLst>
+                                </p:cTn>
+                              </p:par>
+                            </p:childTnLst>
+                          </p:cTn>
+                        </p:par>
+                      </p:childTnLst>
+                    </p:cTn>
+                  </p:par>
+                </p:childTnLst>
+              </p:cTn>
+              <p:prevCondLst>
+                <p:cond evt="onPrev" delay="0">
+                  <p:tgtEl>
+                    <p:sldTgt/>
+                  </p:tgtEl>
+                </p:cond>
+              </p:prevCondLst>
+              <p:nextCondLst>
+                <p:cond evt="onNext" delay="0">
+                  <p:tgtEl>
+                    <p:sldTgt/>
+                  </p:tgtEl>
+                </p:cond>
+              </p:nextCondLst>
+            </p:seq>
+          </p:childTnLst>
+        </p:cTn>
+      </p:par>
+    </p:tnLst>
+  </p:timing>
+</p:sld>
+</file>
+
+<file path=ppt/slides/slide18.xml><?xml version="1.0" encoding="utf-8"?>
+<p:sld xmlns:a="http://schemas.openxmlformats.org/drawingml/2006/main" xmlns:r="http://schemas.openxmlformats.org/officeDocument/2006/relationships" xmlns:p="http://schemas.openxmlformats.org/presentationml/2006/main">
+  <p:cSld>
+    <p:spTree>
+      <p:nvGrpSpPr>
+        <p:cNvPr id="1" name="">
+          <a:extLst>
+            <a:ext uri="{FF2B5EF4-FFF2-40B4-BE49-F238E27FC236}">
+              <a16:creationId xmlns:a16="http://schemas.microsoft.com/office/drawing/2014/main" id="{988A632B-04AE-6C17-B537-E73B55285A13}"/>
+            </a:ext>
+          </a:extLst>
+        </p:cNvPr>
+        <p:cNvGrpSpPr/>
+        <p:nvPr/>
+      </p:nvGrpSpPr>
+      <p:grpSpPr>
+        <a:xfrm>
+          <a:off x="0" y="0"/>
+          <a:ext cx="0" cy="0"/>
+          <a:chOff x="0" y="0"/>
+          <a:chExt cx="0" cy="0"/>
+        </a:xfrm>
+      </p:grpSpPr>
+      <p:sp>
+        <p:nvSpPr>
+          <p:cNvPr id="4" name="标题 3">
+            <a:extLst>
+              <a:ext uri="{FF2B5EF4-FFF2-40B4-BE49-F238E27FC236}">
+                <a16:creationId xmlns:a16="http://schemas.microsoft.com/office/drawing/2014/main" id="{EF5EFBFF-FE1A-A9CB-B99D-4486B3617D96}"/>
+              </a:ext>
+            </a:extLst>
+          </p:cNvPr>
+          <p:cNvSpPr>
+            <a:spLocks noGrp="1"/>
+          </p:cNvSpPr>
+          <p:nvPr>
+            <p:ph type="title"/>
+          </p:nvPr>
+        </p:nvSpPr>
+        <p:spPr>
+          <a:xfrm>
+            <a:off x="831850" y="1709739"/>
+            <a:ext cx="10515600" cy="1719262"/>
+          </a:xfrm>
+        </p:spPr>
+        <p:txBody>
+          <a:bodyPr/>
+          <a:lstStyle/>
+          <a:p>
+            <a:pPr algn="ctr"/>
+            <a:r>
+              <a:rPr lang="en-US" altLang="zh-CN" dirty="0"/>
+              <a:t>Time Complexity</a:t>
+            </a:r>
+            <a:endParaRPr lang="zh-CN" altLang="en-US" dirty="0"/>
+          </a:p>
+        </p:txBody>
+      </p:sp>
+      <p:sp>
+        <p:nvSpPr>
+          <p:cNvPr id="5" name="文本占位符 4">
+            <a:extLst>
+              <a:ext uri="{FF2B5EF4-FFF2-40B4-BE49-F238E27FC236}">
+                <a16:creationId xmlns:a16="http://schemas.microsoft.com/office/drawing/2014/main" id="{C89DE8C8-6525-443D-8C30-2CF9EBED6ADF}"/>
+              </a:ext>
+            </a:extLst>
+          </p:cNvPr>
+          <p:cNvSpPr>
+            <a:spLocks noGrp="1"/>
+          </p:cNvSpPr>
+          <p:nvPr>
+            <p:ph type="body" idx="1"/>
+          </p:nvPr>
+        </p:nvSpPr>
+        <p:spPr/>
+        <p:txBody>
+          <a:bodyPr/>
+          <a:lstStyle/>
+          <a:p>
+            <a:endParaRPr lang="zh-CN" altLang="en-US"/>
+          </a:p>
+        </p:txBody>
+      </p:sp>
+    </p:spTree>
+    <p:extLst>
+      <p:ext uri="{BB962C8B-B14F-4D97-AF65-F5344CB8AC3E}">
+        <p14:creationId xmlns:p14="http://schemas.microsoft.com/office/powerpoint/2010/main" val="2759596761"/>
+      </p:ext>
+    </p:extLst>
+  </p:cSld>
+  <p:clrMapOvr>
+    <a:masterClrMapping/>
+  </p:clrMapOvr>
+</p:sld>
+</file>
+
+<file path=ppt/slides/slide19.xml><?xml version="1.0" encoding="utf-8"?>
+<p:sld xmlns:a="http://schemas.openxmlformats.org/drawingml/2006/main" xmlns:r="http://schemas.openxmlformats.org/officeDocument/2006/relationships" xmlns:p="http://schemas.openxmlformats.org/presentationml/2006/main">
+  <p:cSld>
+    <p:spTree>
+      <p:nvGrpSpPr>
+        <p:cNvPr id="1" name=""/>
+        <p:cNvGrpSpPr/>
+        <p:nvPr/>
+      </p:nvGrpSpPr>
+      <p:grpSpPr>
+        <a:xfrm>
+          <a:off x="0" y="0"/>
+          <a:ext cx="0" cy="0"/>
+          <a:chOff x="0" y="0"/>
+          <a:chExt cx="0" cy="0"/>
+        </a:xfrm>
+      </p:grpSpPr>
+      <mc:AlternateContent xmlns:mc="http://schemas.openxmlformats.org/markup-compatibility/2006">
+        <mc:Choice xmlns:a14="http://schemas.microsoft.com/office/drawing/2010/main" Requires="a14">
+          <p:sp>
+            <p:nvSpPr>
+              <p:cNvPr id="3" name="内容占位符 2">
+                <a:extLst>
+                  <a:ext uri="{FF2B5EF4-FFF2-40B4-BE49-F238E27FC236}">
+                    <a16:creationId xmlns:a16="http://schemas.microsoft.com/office/drawing/2014/main" id="{2D82D25F-5287-7EE9-FD98-B2C91B9B1EA7}"/>
+                  </a:ext>
+                </a:extLst>
+              </p:cNvPr>
+              <p:cNvSpPr>
+                <a:spLocks noGrp="1"/>
+              </p:cNvSpPr>
+              <p:nvPr>
+                <p:ph idx="1"/>
+              </p:nvPr>
+            </p:nvSpPr>
+            <p:spPr>
+              <a:xfrm>
+                <a:off x="838200" y="506027"/>
+                <a:ext cx="10515600" cy="5670936"/>
+              </a:xfrm>
+            </p:spPr>
+            <p:txBody>
+              <a:bodyPr/>
+              <a:lstStyle/>
+              <a:p>
+                <a:r>
+                  <a:rPr lang="en-US" altLang="zh-CN" dirty="0"/>
+                  <a:t>Just prove Searching </a:t>
+                </a:r>
+                <a14:m>
+                  <m:oMath xmlns:m="http://schemas.openxmlformats.org/officeDocument/2006/math">
+                    <m:r>
+                      <a:rPr lang="en-US" altLang="zh-CN" b="0" i="1" smtClean="0">
+                        <a:latin typeface="Cambria Math" panose="02040503050406030204" pitchFamily="18" charset="0"/>
+                      </a:rPr>
+                      <m:t>∼</m:t>
+                    </m:r>
+                    <m:r>
+                      <a:rPr lang="en-US" altLang="zh-CN" b="0" i="1" smtClean="0">
+                        <a:latin typeface="Cambria Math" panose="02040503050406030204" pitchFamily="18" charset="0"/>
+                      </a:rPr>
+                      <m:t>𝑂</m:t>
+                    </m:r>
+                    <m:r>
+                      <a:rPr lang="en-US" altLang="zh-CN" b="0" i="1" smtClean="0">
+                        <a:latin typeface="Cambria Math" panose="02040503050406030204" pitchFamily="18" charset="0"/>
+                      </a:rPr>
+                      <m:t>(</m:t>
+                    </m:r>
+                    <m:func>
+                      <m:funcPr>
+                        <m:ctrlPr>
+                          <a:rPr lang="en-US" altLang="zh-CN" b="0" i="1" smtClean="0">
+                            <a:latin typeface="Cambria Math" panose="02040503050406030204" pitchFamily="18" charset="0"/>
+                          </a:rPr>
+                        </m:ctrlPr>
+                      </m:funcPr>
+                      <m:fName>
+                        <m:r>
+                          <m:rPr>
+                            <m:sty m:val="p"/>
+                          </m:rPr>
+                          <a:rPr lang="en-US" altLang="zh-CN" b="0" i="0" smtClean="0">
+                            <a:latin typeface="Cambria Math" panose="02040503050406030204" pitchFamily="18" charset="0"/>
+                          </a:rPr>
+                          <m:t>log</m:t>
+                        </m:r>
+                      </m:fName>
+                      <m:e>
+                        <m:r>
+                          <a:rPr lang="en-US" altLang="zh-CN" b="0" i="1" smtClean="0">
+                            <a:latin typeface="Cambria Math" panose="02040503050406030204" pitchFamily="18" charset="0"/>
+                          </a:rPr>
+                          <m:t>𝑛</m:t>
+                        </m:r>
+                        <m:r>
+                          <a:rPr lang="en-US" altLang="zh-CN" b="0" i="1" smtClean="0">
+                            <a:latin typeface="Cambria Math" panose="02040503050406030204" pitchFamily="18" charset="0"/>
+                          </a:rPr>
+                          <m:t>)</m:t>
+                        </m:r>
+                      </m:e>
+                    </m:func>
+                  </m:oMath>
+                </a14:m>
+                <a:r>
+                  <a:rPr lang="zh-CN" altLang="en-US" dirty="0"/>
+                  <a:t> </a:t>
+                </a:r>
+                <a:endParaRPr lang="en-US" altLang="zh-CN" dirty="0"/>
+              </a:p>
+              <a:p>
+                <a:endParaRPr lang="en-US" altLang="zh-CN" dirty="0"/>
+              </a:p>
+              <a:p>
+                <a:r>
+                  <a:rPr lang="en-US" altLang="zh-CN" dirty="0"/>
+                  <a:t>Form bottom to top (head of the top level)</a:t>
+                </a:r>
+              </a:p>
+              <a:p>
+                <a:endParaRPr lang="en-US" altLang="zh-CN" dirty="0"/>
+              </a:p>
+              <a:p>
+                <a14:m>
+                  <m:oMath xmlns:m="http://schemas.openxmlformats.org/officeDocument/2006/math">
+                    <m:sSub>
+                      <m:sSubPr>
+                        <m:ctrlPr>
+                          <a:rPr lang="en-US" altLang="zh-CN" b="0" i="1" smtClean="0">
+                            <a:latin typeface="Cambria Math" panose="02040503050406030204" pitchFamily="18" charset="0"/>
+                          </a:rPr>
+                        </m:ctrlPr>
+                      </m:sSubPr>
+                      <m:e>
+                        <m:r>
+                          <a:rPr lang="en-US" altLang="zh-CN" b="0" i="1" smtClean="0">
+                            <a:latin typeface="Cambria Math" panose="02040503050406030204" pitchFamily="18" charset="0"/>
+                          </a:rPr>
+                          <m:t>𝐹</m:t>
+                        </m:r>
+                      </m:e>
+                      <m:sub>
+                        <m:r>
+                          <a:rPr lang="en-US" altLang="zh-CN" b="0" i="1" smtClean="0">
+                            <a:latin typeface="Cambria Math" panose="02040503050406030204" pitchFamily="18" charset="0"/>
+                          </a:rPr>
+                          <m:t>𝑖</m:t>
+                        </m:r>
+                      </m:sub>
+                    </m:sSub>
+                    <m:r>
+                      <a:rPr lang="en-US" altLang="zh-CN" b="0" i="1" smtClean="0">
+                        <a:latin typeface="Cambria Math" panose="02040503050406030204" pitchFamily="18" charset="0"/>
+                      </a:rPr>
+                      <m:t>=</m:t>
+                    </m:r>
+                    <m:r>
+                      <a:rPr lang="en-US" altLang="zh-CN" b="0" i="1" smtClean="0">
+                        <a:latin typeface="Cambria Math" panose="02040503050406030204" pitchFamily="18" charset="0"/>
+                      </a:rPr>
+                      <m:t>𝑝</m:t>
+                    </m:r>
+                    <m:r>
+                      <a:rPr lang="en-US" altLang="zh-CN" b="0" i="1" smtClean="0">
+                        <a:latin typeface="Cambria Math" panose="02040503050406030204" pitchFamily="18" charset="0"/>
+                      </a:rPr>
+                      <m:t>⋅</m:t>
+                    </m:r>
+                    <m:sSub>
+                      <m:sSubPr>
+                        <m:ctrlPr>
+                          <a:rPr lang="en-US" altLang="zh-CN" b="0" i="1" smtClean="0">
+                            <a:latin typeface="Cambria Math" panose="02040503050406030204" pitchFamily="18" charset="0"/>
+                          </a:rPr>
+                        </m:ctrlPr>
+                      </m:sSubPr>
+                      <m:e>
+                        <m:r>
+                          <a:rPr lang="en-US" altLang="zh-CN" b="0" i="1" smtClean="0">
+                            <a:latin typeface="Cambria Math" panose="02040503050406030204" pitchFamily="18" charset="0"/>
+                          </a:rPr>
+                          <m:t>𝐹</m:t>
+                        </m:r>
+                      </m:e>
+                      <m:sub>
+                        <m:r>
+                          <a:rPr lang="en-US" altLang="zh-CN" b="0" i="1" smtClean="0">
+                            <a:latin typeface="Cambria Math" panose="02040503050406030204" pitchFamily="18" charset="0"/>
+                          </a:rPr>
+                          <m:t>𝑖</m:t>
+                        </m:r>
+                        <m:r>
+                          <a:rPr lang="en-US" altLang="zh-CN" b="0" i="1" smtClean="0">
+                            <a:latin typeface="Cambria Math" panose="02040503050406030204" pitchFamily="18" charset="0"/>
+                          </a:rPr>
+                          <m:t>−1</m:t>
+                        </m:r>
+                      </m:sub>
+                    </m:sSub>
+                    <m:r>
+                      <a:rPr lang="en-US" altLang="zh-CN" b="0" i="1" smtClean="0">
+                        <a:latin typeface="Cambria Math" panose="02040503050406030204" pitchFamily="18" charset="0"/>
+                      </a:rPr>
+                      <m:t>+</m:t>
+                    </m:r>
+                    <m:d>
+                      <m:dPr>
+                        <m:ctrlPr>
+                          <a:rPr lang="en-US" altLang="zh-CN" b="0" i="1" smtClean="0">
+                            <a:latin typeface="Cambria Math" panose="02040503050406030204" pitchFamily="18" charset="0"/>
+                          </a:rPr>
+                        </m:ctrlPr>
+                      </m:dPr>
+                      <m:e>
+                        <m:r>
+                          <a:rPr lang="en-US" altLang="zh-CN" b="0" i="1" smtClean="0">
+                            <a:latin typeface="Cambria Math" panose="02040503050406030204" pitchFamily="18" charset="0"/>
+                          </a:rPr>
+                          <m:t>1−</m:t>
+                        </m:r>
+                        <m:r>
+                          <a:rPr lang="en-US" altLang="zh-CN" b="0" i="1" smtClean="0">
+                            <a:latin typeface="Cambria Math" panose="02040503050406030204" pitchFamily="18" charset="0"/>
+                          </a:rPr>
+                          <m:t>𝑝</m:t>
+                        </m:r>
+                      </m:e>
+                    </m:d>
+                    <m:r>
+                      <a:rPr lang="en-US" altLang="zh-CN" b="0" i="1" smtClean="0">
+                        <a:latin typeface="Cambria Math" panose="02040503050406030204" pitchFamily="18" charset="0"/>
+                      </a:rPr>
+                      <m:t>⋅</m:t>
+                    </m:r>
+                    <m:sSub>
+                      <m:sSubPr>
+                        <m:ctrlPr>
+                          <a:rPr lang="en-US" altLang="zh-CN" b="0" i="1" smtClean="0">
+                            <a:latin typeface="Cambria Math" panose="02040503050406030204" pitchFamily="18" charset="0"/>
+                          </a:rPr>
+                        </m:ctrlPr>
+                      </m:sSubPr>
+                      <m:e>
+                        <m:r>
+                          <a:rPr lang="en-US" altLang="zh-CN" b="0" i="1" smtClean="0">
+                            <a:latin typeface="Cambria Math" panose="02040503050406030204" pitchFamily="18" charset="0"/>
+                          </a:rPr>
+                          <m:t>𝐹</m:t>
+                        </m:r>
+                      </m:e>
+                      <m:sub>
+                        <m:r>
+                          <a:rPr lang="en-US" altLang="zh-CN" b="0" i="1" smtClean="0">
+                            <a:latin typeface="Cambria Math" panose="02040503050406030204" pitchFamily="18" charset="0"/>
+                          </a:rPr>
+                          <m:t>𝑖</m:t>
+                        </m:r>
+                      </m:sub>
+                    </m:sSub>
+                    <m:r>
+                      <a:rPr lang="en-US" altLang="zh-CN" b="0" i="1" smtClean="0">
+                        <a:latin typeface="Cambria Math" panose="02040503050406030204" pitchFamily="18" charset="0"/>
+                      </a:rPr>
+                      <m:t>+1⇒</m:t>
+                    </m:r>
+                    <m:sSub>
+                      <m:sSubPr>
+                        <m:ctrlPr>
+                          <a:rPr lang="en-US" altLang="zh-CN" b="0" i="1" smtClean="0">
+                            <a:latin typeface="Cambria Math" panose="02040503050406030204" pitchFamily="18" charset="0"/>
+                          </a:rPr>
+                        </m:ctrlPr>
+                      </m:sSubPr>
+                      <m:e>
+                        <m:r>
+                          <a:rPr lang="en-US" altLang="zh-CN" b="0" i="1" smtClean="0">
+                            <a:latin typeface="Cambria Math" panose="02040503050406030204" pitchFamily="18" charset="0"/>
+                          </a:rPr>
+                          <m:t>𝐹</m:t>
+                        </m:r>
+                      </m:e>
+                      <m:sub>
+                        <m:r>
+                          <a:rPr lang="en-US" altLang="zh-CN" b="0" i="1" smtClean="0">
+                            <a:latin typeface="Cambria Math" panose="02040503050406030204" pitchFamily="18" charset="0"/>
+                          </a:rPr>
+                          <m:t>𝑖</m:t>
+                        </m:r>
+                      </m:sub>
+                    </m:sSub>
+                    <m:r>
+                      <a:rPr lang="en-US" altLang="zh-CN" b="0" i="1" smtClean="0">
+                        <a:latin typeface="Cambria Math" panose="02040503050406030204" pitchFamily="18" charset="0"/>
+                      </a:rPr>
+                      <m:t>=</m:t>
+                    </m:r>
+                    <m:r>
+                      <a:rPr lang="en-US" altLang="zh-CN" b="0" i="1" smtClean="0">
+                        <a:latin typeface="Cambria Math" panose="02040503050406030204" pitchFamily="18" charset="0"/>
+                      </a:rPr>
+                      <m:t>𝑖</m:t>
+                    </m:r>
+                    <m:r>
+                      <a:rPr lang="en-US" altLang="zh-CN" b="0" i="1" smtClean="0">
+                        <a:latin typeface="Cambria Math" panose="02040503050406030204" pitchFamily="18" charset="0"/>
+                      </a:rPr>
+                      <m:t>/</m:t>
+                    </m:r>
+                    <m:r>
+                      <a:rPr lang="en-US" altLang="zh-CN" b="0" i="1" smtClean="0">
+                        <a:latin typeface="Cambria Math" panose="02040503050406030204" pitchFamily="18" charset="0"/>
+                      </a:rPr>
+                      <m:t>𝑝</m:t>
+                    </m:r>
+                  </m:oMath>
+                </a14:m>
+                <a:endParaRPr lang="en-US" altLang="zh-CN" dirty="0"/>
+              </a:p>
+              <a:p>
+                <a:endParaRPr lang="en-US" altLang="zh-CN" dirty="0"/>
+              </a:p>
+              <a:p>
+                <a:endParaRPr lang="en-US" altLang="zh-CN" dirty="0"/>
+              </a:p>
+              <a:p>
+                <a:endParaRPr lang="zh-CN" altLang="en-US" dirty="0"/>
+              </a:p>
+            </p:txBody>
+          </p:sp>
+        </mc:Choice>
+        <mc:Fallback>
+          <p:sp>
+            <p:nvSpPr>
+              <p:cNvPr id="3" name="内容占位符 2">
+                <a:extLst>
+                  <a:ext uri="{FF2B5EF4-FFF2-40B4-BE49-F238E27FC236}">
+                    <a16:creationId xmlns:a16="http://schemas.microsoft.com/office/drawing/2014/main" id="{2D82D25F-5287-7EE9-FD98-B2C91B9B1EA7}"/>
+                  </a:ext>
+                </a:extLst>
+              </p:cNvPr>
+              <p:cNvSpPr>
+                <a:spLocks noGrp="1" noRot="1" noChangeAspect="1" noMove="1" noResize="1" noEditPoints="1" noAdjustHandles="1" noChangeArrowheads="1" noChangeShapeType="1" noTextEdit="1"/>
+              </p:cNvSpPr>
+              <p:nvPr>
+                <p:ph idx="1"/>
+              </p:nvPr>
+            </p:nvSpPr>
+            <p:spPr>
+              <a:xfrm>
+                <a:off x="838200" y="506027"/>
+                <a:ext cx="10515600" cy="5670936"/>
+              </a:xfrm>
+              <a:blipFill>
+                <a:blip r:embed="rId2"/>
+                <a:stretch>
+                  <a:fillRect l="-1043" t="-1828"/>
+                </a:stretch>
+              </a:blipFill>
+            </p:spPr>
+            <p:txBody>
+              <a:bodyPr/>
+              <a:lstStyle/>
+              <a:p>
+                <a:r>
+                  <a:rPr lang="zh-CN" altLang="en-US">
+                    <a:noFill/>
+                  </a:rPr>
+                  <a:t> </a:t>
+                </a:r>
+              </a:p>
+            </p:txBody>
+          </p:sp>
+        </mc:Fallback>
+      </mc:AlternateContent>
+      <p:pic>
+        <p:nvPicPr>
+          <p:cNvPr id="7" name="图片 6">
+            <a:extLst>
+              <a:ext uri="{FF2B5EF4-FFF2-40B4-BE49-F238E27FC236}">
+                <a16:creationId xmlns:a16="http://schemas.microsoft.com/office/drawing/2014/main" id="{027F9555-67B7-EDB0-CDF5-DF27E9FE4557}"/>
+              </a:ext>
+            </a:extLst>
+          </p:cNvPr>
+          <p:cNvPicPr>
+            <a:picLocks noChangeAspect="1"/>
+          </p:cNvPicPr>
+          <p:nvPr/>
+        </p:nvPicPr>
+        <p:blipFill>
+          <a:blip r:embed="rId3"/>
+          <a:stretch>
+            <a:fillRect/>
+          </a:stretch>
+        </p:blipFill>
+        <p:spPr>
+          <a:xfrm>
+            <a:off x="2241570" y="3041870"/>
+            <a:ext cx="7708859" cy="3640607"/>
+          </a:xfrm>
+          <a:prstGeom prst="rect">
+            <a:avLst/>
+          </a:prstGeom>
+        </p:spPr>
+      </p:pic>
+    </p:spTree>
+    <p:extLst>
+      <p:ext uri="{BB962C8B-B14F-4D97-AF65-F5344CB8AC3E}">
+        <p14:creationId xmlns:p14="http://schemas.microsoft.com/office/powerpoint/2010/main" val="4209262493"/>
+      </p:ext>
+    </p:extLst>
+  </p:cSld>
+  <p:clrMapOvr>
+    <a:masterClrMapping/>
+  </p:clrMapOvr>
+  <p:timing>
+    <p:tnLst>
+      <p:par>
+        <p:cTn id="1" dur="indefinite" restart="never" nodeType="tmRoot">
+          <p:childTnLst>
+            <p:seq concurrent="1" nextAc="seek">
+              <p:cTn id="2" dur="indefinite" nodeType="mainSeq">
+                <p:childTnLst>
+                  <p:par>
+                    <p:cTn id="3" fill="hold">
+                      <p:stCondLst>
+                        <p:cond delay="indefinite"/>
+                      </p:stCondLst>
+                      <p:childTnLst>
+                        <p:par>
+                          <p:cTn id="4" fill="hold">
+                            <p:stCondLst>
+                              <p:cond delay="0"/>
+                            </p:stCondLst>
+                            <p:childTnLst>
+                              <p:par>
+                                <p:cTn id="5" presetID="10" presetClass="entr" presetSubtype="0" fill="hold" nodeType="clickEffect">
+                                  <p:stCondLst>
+                                    <p:cond delay="0"/>
+                                  </p:stCondLst>
+                                  <p:childTnLst>
+                                    <p:set>
+                                      <p:cBhvr>
+                                        <p:cTn id="6" dur="1" fill="hold">
+                                          <p:stCondLst>
+                                            <p:cond delay="0"/>
+                                          </p:stCondLst>
+                                        </p:cTn>
+                                        <p:tgtEl>
+                                          <p:spTgt spid="3">
+                                            <p:txEl>
+                                              <p:pRg st="2" end="2"/>
+                                            </p:txEl>
+                                          </p:spTgt>
+                                        </p:tgtEl>
+                                        <p:attrNameLst>
+                                          <p:attrName>style.visibility</p:attrName>
+                                        </p:attrNameLst>
+                                      </p:cBhvr>
+                                      <p:to>
+                                        <p:strVal val="visible"/>
+                                      </p:to>
+                                    </p:set>
+                                    <p:animEffect transition="in" filter="fade">
+                                      <p:cBhvr>
+                                        <p:cTn id="7" dur="500"/>
+                                        <p:tgtEl>
+                                          <p:spTgt spid="3">
+                                            <p:txEl>
+                                              <p:pRg st="2" end="2"/>
+                                            </p:txEl>
+                                          </p:spTgt>
+                                        </p:tgtEl>
+                                      </p:cBhvr>
+                                    </p:animEffect>
+                                  </p:childTnLst>
+                                </p:cTn>
+                              </p:par>
+                            </p:childTnLst>
+                          </p:cTn>
+                        </p:par>
+                      </p:childTnLst>
+                    </p:cTn>
+                  </p:par>
+                  <p:par>
+                    <p:cTn id="8" fill="hold">
+                      <p:stCondLst>
+                        <p:cond delay="indefinite"/>
+                      </p:stCondLst>
+                      <p:childTnLst>
+                        <p:par>
+                          <p:cTn id="9" fill="hold">
+                            <p:stCondLst>
+                              <p:cond delay="0"/>
+                            </p:stCondLst>
+                            <p:childTnLst>
+                              <p:par>
+                                <p:cTn id="10" presetID="10" presetClass="entr" presetSubtype="0" fill="hold" nodeType="clickEffect">
+                                  <p:stCondLst>
+                                    <p:cond delay="0"/>
+                                  </p:stCondLst>
+                                  <p:childTnLst>
+                                    <p:set>
+                                      <p:cBhvr>
+                                        <p:cTn id="11" dur="1" fill="hold">
+                                          <p:stCondLst>
+                                            <p:cond delay="0"/>
+                                          </p:stCondLst>
+                                        </p:cTn>
+                                        <p:tgtEl>
+                                          <p:spTgt spid="7"/>
+                                        </p:tgtEl>
+                                        <p:attrNameLst>
+                                          <p:attrName>style.visibility</p:attrName>
+                                        </p:attrNameLst>
+                                      </p:cBhvr>
+                                      <p:to>
+                                        <p:strVal val="visible"/>
+                                      </p:to>
+                                    </p:set>
+                                    <p:animEffect transition="in" filter="fade">
+                                      <p:cBhvr>
+                                        <p:cTn id="12" dur="500"/>
+                                        <p:tgtEl>
+                                          <p:spTgt spid="7"/>
+                                        </p:tgtEl>
+                                      </p:cBhvr>
+                                    </p:animEffect>
+                                  </p:childTnLst>
+                                </p:cTn>
+                              </p:par>
+                            </p:childTnLst>
+                          </p:cTn>
+                        </p:par>
+                      </p:childTnLst>
+                    </p:cTn>
+                  </p:par>
+                  <p:par>
+                    <p:cTn id="13" fill="hold">
+                      <p:stCondLst>
+                        <p:cond delay="indefinite"/>
+                      </p:stCondLst>
+                      <p:childTnLst>
+                        <p:par>
+                          <p:cTn id="14" fill="hold">
+                            <p:stCondLst>
+                              <p:cond delay="0"/>
+                            </p:stCondLst>
+                            <p:childTnLst>
+                              <p:par>
+                                <p:cTn id="15" presetID="10" presetClass="entr" presetSubtype="0" fill="hold" nodeType="clickEffect">
+                                  <p:stCondLst>
+                                    <p:cond delay="0"/>
+                                  </p:stCondLst>
+                                  <p:childTnLst>
+                                    <p:set>
+                                      <p:cBhvr>
+                                        <p:cTn id="16" dur="1" fill="hold">
+                                          <p:stCondLst>
+                                            <p:cond delay="0"/>
+                                          </p:stCondLst>
+                                        </p:cTn>
+                                        <p:tgtEl>
+                                          <p:spTgt spid="3">
+                                            <p:txEl>
+                                              <p:pRg st="4" end="4"/>
+                                            </p:txEl>
+                                          </p:spTgt>
+                                        </p:tgtEl>
+                                        <p:attrNameLst>
+                                          <p:attrName>style.visibility</p:attrName>
+                                        </p:attrNameLst>
+                                      </p:cBhvr>
+                                      <p:to>
+                                        <p:strVal val="visible"/>
+                                      </p:to>
+                                    </p:set>
+                                    <p:animEffect transition="in" filter="fade">
+                                      <p:cBhvr>
+                                        <p:cTn id="17" dur="500"/>
+                                        <p:tgtEl>
+                                          <p:spTgt spid="3">
+                                            <p:txEl>
+                                              <p:pRg st="4" end="4"/>
+                                            </p:txEl>
+                                          </p:spTgt>
+                                        </p:tgtEl>
+                                      </p:cBhvr>
+                                    </p:animEffect>
+                                  </p:childTnLst>
+                                </p:cTn>
+                              </p:par>
+                            </p:childTnLst>
+                          </p:cTn>
+                        </p:par>
+                      </p:childTnLst>
+                    </p:cTn>
+                  </p:par>
+                </p:childTnLst>
+              </p:cTn>
+              <p:prevCondLst>
+                <p:cond evt="onPrev" delay="0">
+                  <p:tgtEl>
+                    <p:sldTgt/>
+                  </p:tgtEl>
+                </p:cond>
+              </p:prevCondLst>
+              <p:nextCondLst>
+                <p:cond evt="onNext" delay="0">
+                  <p:tgtEl>
+                    <p:sldTgt/>
+                  </p:tgtEl>
+                </p:cond>
+              </p:nextCondLst>
+            </p:seq>
+          </p:childTnLst>
+        </p:cTn>
+      </p:par>
+    </p:tnLst>
+  </p:timing>
+</p:sld>
+</file>
+
 <file path=ppt/slides/slide2.xml><?xml version="1.0" encoding="utf-8"?>
 <p:sld xmlns:a="http://schemas.openxmlformats.org/drawingml/2006/main" xmlns:r="http://schemas.openxmlformats.org/officeDocument/2006/relationships" xmlns:p="http://schemas.openxmlformats.org/presentationml/2006/main">
   <p:cSld>
@@ -11688,8 +13683,8 @@
           </a:p>
         </p:txBody>
       </p:sp>
-      <mc:AlternateContent xmlns:mc="http://schemas.openxmlformats.org/markup-compatibility/2006">
-        <mc:Choice xmlns:a14="http://schemas.microsoft.com/office/drawing/2010/main" Requires="a14">
+      <mc:AlternateContent xmlns:mc="http://schemas.openxmlformats.org/markup-compatibility/2006" xmlns:a14="http://schemas.microsoft.com/office/drawing/2010/main">
+        <mc:Choice Requires="a14">
           <p:sp>
             <p:nvSpPr>
               <p:cNvPr id="3" name="内容占位符 2">
@@ -11906,7 +13901,7 @@
             </p:txBody>
           </p:sp>
         </mc:Choice>
-        <mc:Fallback>
+        <mc:Fallback xmlns="">
           <p:sp>
             <p:nvSpPr>
               <p:cNvPr id="3" name="内容占位符 2">
@@ -11950,6 +13945,1719 @@
     <p:extLst>
       <p:ext uri="{BB962C8B-B14F-4D97-AF65-F5344CB8AC3E}">
         <p14:creationId xmlns:p14="http://schemas.microsoft.com/office/powerpoint/2010/main" val="4052999845"/>
+      </p:ext>
+    </p:extLst>
+  </p:cSld>
+  <p:clrMapOvr>
+    <a:masterClrMapping/>
+  </p:clrMapOvr>
+</p:sld>
+</file>
+
+<file path=ppt/slides/slide20.xml><?xml version="1.0" encoding="utf-8"?>
+<p:sld xmlns:a="http://schemas.openxmlformats.org/drawingml/2006/main" xmlns:r="http://schemas.openxmlformats.org/officeDocument/2006/relationships" xmlns:p="http://schemas.openxmlformats.org/presentationml/2006/main">
+  <p:cSld>
+    <p:spTree>
+      <p:nvGrpSpPr>
+        <p:cNvPr id="1" name=""/>
+        <p:cNvGrpSpPr/>
+        <p:nvPr/>
+      </p:nvGrpSpPr>
+      <p:grpSpPr>
+        <a:xfrm>
+          <a:off x="0" y="0"/>
+          <a:ext cx="0" cy="0"/>
+          <a:chOff x="0" y="0"/>
+          <a:chExt cx="0" cy="0"/>
+        </a:xfrm>
+      </p:grpSpPr>
+      <p:graphicFrame>
+        <p:nvGraphicFramePr>
+          <p:cNvPr id="4" name="内容占位符 3">
+            <a:extLst>
+              <a:ext uri="{FF2B5EF4-FFF2-40B4-BE49-F238E27FC236}">
+                <a16:creationId xmlns:a16="http://schemas.microsoft.com/office/drawing/2014/main" id="{C20CD773-1071-E835-4CB8-DF160780ED0B}"/>
+              </a:ext>
+            </a:extLst>
+          </p:cNvPr>
+          <p:cNvGraphicFramePr>
+            <a:graphicFrameLocks noGrp="1"/>
+          </p:cNvGraphicFramePr>
+          <p:nvPr>
+            <p:ph idx="1"/>
+            <p:extLst>
+              <p:ext uri="{D42A27DB-BD31-4B8C-83A1-F6EECF244321}">
+                <p14:modId xmlns:p14="http://schemas.microsoft.com/office/powerpoint/2010/main" val="1926813114"/>
+              </p:ext>
+            </p:extLst>
+          </p:nvPr>
+        </p:nvGraphicFramePr>
+        <p:xfrm>
+          <a:off x="838202" y="964956"/>
+          <a:ext cx="10515596" cy="1483360"/>
+        </p:xfrm>
+        <a:graphic>
+          <a:graphicData uri="http://schemas.openxmlformats.org/drawingml/2006/table">
+            <a:tbl>
+              <a:tblPr firstRow="1" bandRow="1">
+                <a:tableStyleId>{5940675A-B579-460E-94D1-54222C63F5DA}</a:tableStyleId>
+              </a:tblPr>
+              <a:tblGrid>
+                <a:gridCol w="1502228">
+                  <a:extLst>
+                    <a:ext uri="{9D8B030D-6E8A-4147-A177-3AD203B41FA5}">
+                      <a16:colId xmlns:a16="http://schemas.microsoft.com/office/drawing/2014/main" val="2952997908"/>
+                    </a:ext>
+                  </a:extLst>
+                </a:gridCol>
+                <a:gridCol w="1502228">
+                  <a:extLst>
+                    <a:ext uri="{9D8B030D-6E8A-4147-A177-3AD203B41FA5}">
+                      <a16:colId xmlns:a16="http://schemas.microsoft.com/office/drawing/2014/main" val="2290912018"/>
+                    </a:ext>
+                  </a:extLst>
+                </a:gridCol>
+                <a:gridCol w="1502228">
+                  <a:extLst>
+                    <a:ext uri="{9D8B030D-6E8A-4147-A177-3AD203B41FA5}">
+                      <a16:colId xmlns:a16="http://schemas.microsoft.com/office/drawing/2014/main" val="4041651064"/>
+                    </a:ext>
+                  </a:extLst>
+                </a:gridCol>
+                <a:gridCol w="1502228">
+                  <a:extLst>
+                    <a:ext uri="{9D8B030D-6E8A-4147-A177-3AD203B41FA5}">
+                      <a16:colId xmlns:a16="http://schemas.microsoft.com/office/drawing/2014/main" val="2285710396"/>
+                    </a:ext>
+                  </a:extLst>
+                </a:gridCol>
+                <a:gridCol w="1502228">
+                  <a:extLst>
+                    <a:ext uri="{9D8B030D-6E8A-4147-A177-3AD203B41FA5}">
+                      <a16:colId xmlns:a16="http://schemas.microsoft.com/office/drawing/2014/main" val="1348474503"/>
+                    </a:ext>
+                  </a:extLst>
+                </a:gridCol>
+                <a:gridCol w="1502228">
+                  <a:extLst>
+                    <a:ext uri="{9D8B030D-6E8A-4147-A177-3AD203B41FA5}">
+                      <a16:colId xmlns:a16="http://schemas.microsoft.com/office/drawing/2014/main" val="1050502276"/>
+                    </a:ext>
+                  </a:extLst>
+                </a:gridCol>
+                <a:gridCol w="1502228">
+                  <a:extLst>
+                    <a:ext uri="{9D8B030D-6E8A-4147-A177-3AD203B41FA5}">
+                      <a16:colId xmlns:a16="http://schemas.microsoft.com/office/drawing/2014/main" val="1993298515"/>
+                    </a:ext>
+                  </a:extLst>
+                </a:gridCol>
+              </a:tblGrid>
+              <a:tr h="370840">
+                <a:tc>
+                  <a:txBody>
+                    <a:bodyPr/>
+                    <a:lstStyle/>
+                    <a:p>
+                      <a:endParaRPr lang="zh-CN" altLang="en-US" dirty="0"/>
+                    </a:p>
+                  </a:txBody>
+                  <a:tcPr/>
+                </a:tc>
+                <a:tc>
+                  <a:txBody>
+                    <a:bodyPr/>
+                    <a:lstStyle/>
+                    <a:p>
+                      <a:r>
+                        <a:rPr lang="en-US" altLang="zh-CN" dirty="0"/>
+                        <a:t>30000</a:t>
+                      </a:r>
+                      <a:endParaRPr lang="zh-CN" altLang="en-US" dirty="0"/>
+                    </a:p>
+                  </a:txBody>
+                  <a:tcPr/>
+                </a:tc>
+                <a:tc>
+                  <a:txBody>
+                    <a:bodyPr/>
+                    <a:lstStyle/>
+                    <a:p>
+                      <a:r>
+                        <a:rPr lang="en-US" altLang="zh-CN" dirty="0"/>
+                        <a:t>80000</a:t>
+                      </a:r>
+                      <a:endParaRPr lang="zh-CN" altLang="en-US" dirty="0"/>
+                    </a:p>
+                  </a:txBody>
+                  <a:tcPr/>
+                </a:tc>
+                <a:tc>
+                  <a:txBody>
+                    <a:bodyPr/>
+                    <a:lstStyle/>
+                    <a:p>
+                      <a:r>
+                        <a:rPr lang="en-US" altLang="zh-CN" dirty="0"/>
+                        <a:t>100000</a:t>
+                      </a:r>
+                      <a:endParaRPr lang="zh-CN" altLang="en-US" dirty="0"/>
+                    </a:p>
+                  </a:txBody>
+                  <a:tcPr/>
+                </a:tc>
+                <a:tc>
+                  <a:txBody>
+                    <a:bodyPr/>
+                    <a:lstStyle/>
+                    <a:p>
+                      <a:r>
+                        <a:rPr lang="en-US" altLang="zh-CN" dirty="0"/>
+                        <a:t>300000</a:t>
+                      </a:r>
+                      <a:endParaRPr lang="zh-CN" altLang="en-US" dirty="0"/>
+                    </a:p>
+                  </a:txBody>
+                  <a:tcPr/>
+                </a:tc>
+                <a:tc>
+                  <a:txBody>
+                    <a:bodyPr/>
+                    <a:lstStyle/>
+                    <a:p>
+                      <a:r>
+                        <a:rPr lang="en-US" altLang="zh-CN" dirty="0"/>
+                        <a:t>500000</a:t>
+                      </a:r>
+                      <a:endParaRPr lang="zh-CN" altLang="en-US" dirty="0"/>
+                    </a:p>
+                  </a:txBody>
+                  <a:tcPr/>
+                </a:tc>
+                <a:tc>
+                  <a:txBody>
+                    <a:bodyPr/>
+                    <a:lstStyle/>
+                    <a:p>
+                      <a:r>
+                        <a:rPr lang="en-US" altLang="zh-CN" dirty="0"/>
+                        <a:t>1000000</a:t>
+                      </a:r>
+                      <a:endParaRPr lang="zh-CN" altLang="en-US" dirty="0"/>
+                    </a:p>
+                  </a:txBody>
+                  <a:tcPr/>
+                </a:tc>
+                <a:extLst>
+                  <a:ext uri="{0D108BD9-81ED-4DB2-BD59-A6C34878D82A}">
+                    <a16:rowId xmlns:a16="http://schemas.microsoft.com/office/drawing/2014/main" val="1428176341"/>
+                  </a:ext>
+                </a:extLst>
+              </a:tr>
+              <a:tr h="370840">
+                <a:tc>
+                  <a:txBody>
+                    <a:bodyPr/>
+                    <a:lstStyle/>
+                    <a:p>
+                      <a:r>
+                        <a:rPr lang="en-US" altLang="zh-CN" dirty="0" err="1"/>
+                        <a:t>SkipList</a:t>
+                      </a:r>
+                      <a:endParaRPr lang="zh-CN" altLang="en-US" dirty="0"/>
+                    </a:p>
+                  </a:txBody>
+                  <a:tcPr/>
+                </a:tc>
+                <a:tc>
+                  <a:txBody>
+                    <a:bodyPr/>
+                    <a:lstStyle/>
+                    <a:p>
+                      <a:r>
+                        <a:rPr lang="en-US" altLang="zh-CN" dirty="0"/>
+                        <a:t>14ms</a:t>
+                      </a:r>
+                      <a:endParaRPr lang="zh-CN" altLang="en-US" dirty="0"/>
+                    </a:p>
+                  </a:txBody>
+                  <a:tcPr/>
+                </a:tc>
+                <a:tc>
+                  <a:txBody>
+                    <a:bodyPr/>
+                    <a:lstStyle/>
+                    <a:p>
+                      <a:r>
+                        <a:rPr lang="en-US" altLang="zh-CN" dirty="0"/>
+                        <a:t>67ms</a:t>
+                      </a:r>
+                      <a:endParaRPr lang="zh-CN" altLang="en-US" dirty="0"/>
+                    </a:p>
+                  </a:txBody>
+                  <a:tcPr/>
+                </a:tc>
+                <a:tc>
+                  <a:txBody>
+                    <a:bodyPr/>
+                    <a:lstStyle/>
+                    <a:p>
+                      <a:r>
+                        <a:rPr lang="en-US" altLang="zh-CN" dirty="0"/>
+                        <a:t>88ms</a:t>
+                      </a:r>
+                      <a:endParaRPr lang="zh-CN" altLang="en-US" dirty="0"/>
+                    </a:p>
+                  </a:txBody>
+                  <a:tcPr/>
+                </a:tc>
+                <a:tc>
+                  <a:txBody>
+                    <a:bodyPr/>
+                    <a:lstStyle/>
+                    <a:p>
+                      <a:r>
+                        <a:rPr lang="en-US" altLang="zh-CN" dirty="0"/>
+                        <a:t>273ms</a:t>
+                      </a:r>
+                      <a:endParaRPr lang="zh-CN" altLang="en-US" dirty="0"/>
+                    </a:p>
+                  </a:txBody>
+                  <a:tcPr/>
+                </a:tc>
+                <a:tc>
+                  <a:txBody>
+                    <a:bodyPr/>
+                    <a:lstStyle/>
+                    <a:p>
+                      <a:r>
+                        <a:rPr lang="en-US" altLang="zh-CN" dirty="0"/>
+                        <a:t>542ms</a:t>
+                      </a:r>
+                      <a:endParaRPr lang="zh-CN" altLang="en-US" dirty="0"/>
+                    </a:p>
+                  </a:txBody>
+                  <a:tcPr/>
+                </a:tc>
+                <a:tc>
+                  <a:txBody>
+                    <a:bodyPr/>
+                    <a:lstStyle/>
+                    <a:p>
+                      <a:r>
+                        <a:rPr lang="en-US" altLang="zh-CN" dirty="0"/>
+                        <a:t>1304ms</a:t>
+                      </a:r>
+                      <a:endParaRPr lang="zh-CN" altLang="en-US" dirty="0"/>
+                    </a:p>
+                  </a:txBody>
+                  <a:tcPr/>
+                </a:tc>
+                <a:extLst>
+                  <a:ext uri="{0D108BD9-81ED-4DB2-BD59-A6C34878D82A}">
+                    <a16:rowId xmlns:a16="http://schemas.microsoft.com/office/drawing/2014/main" val="3819199659"/>
+                  </a:ext>
+                </a:extLst>
+              </a:tr>
+              <a:tr h="370840">
+                <a:tc>
+                  <a:txBody>
+                    <a:bodyPr/>
+                    <a:lstStyle/>
+                    <a:p>
+                      <a:r>
+                        <a:rPr lang="en-US" altLang="zh-CN" dirty="0"/>
+                        <a:t>RB Tree</a:t>
+                      </a:r>
+                      <a:endParaRPr lang="zh-CN" altLang="en-US" dirty="0"/>
+                    </a:p>
+                  </a:txBody>
+                  <a:tcPr/>
+                </a:tc>
+                <a:tc>
+                  <a:txBody>
+                    <a:bodyPr/>
+                    <a:lstStyle/>
+                    <a:p>
+                      <a:r>
+                        <a:rPr lang="en-US" altLang="zh-CN" dirty="0"/>
+                        <a:t>14ms</a:t>
+                      </a:r>
+                      <a:endParaRPr lang="zh-CN" altLang="en-US" dirty="0"/>
+                    </a:p>
+                  </a:txBody>
+                  <a:tcPr/>
+                </a:tc>
+                <a:tc>
+                  <a:txBody>
+                    <a:bodyPr/>
+                    <a:lstStyle/>
+                    <a:p>
+                      <a:r>
+                        <a:rPr lang="en-US" altLang="zh-CN" dirty="0"/>
+                        <a:t>78ms</a:t>
+                      </a:r>
+                      <a:endParaRPr lang="zh-CN" altLang="en-US" dirty="0"/>
+                    </a:p>
+                  </a:txBody>
+                  <a:tcPr/>
+                </a:tc>
+                <a:tc>
+                  <a:txBody>
+                    <a:bodyPr/>
+                    <a:lstStyle/>
+                    <a:p>
+                      <a:r>
+                        <a:rPr lang="en-US" altLang="zh-CN" dirty="0"/>
+                        <a:t>84ms</a:t>
+                      </a:r>
+                      <a:endParaRPr lang="zh-CN" altLang="en-US" dirty="0"/>
+                    </a:p>
+                  </a:txBody>
+                  <a:tcPr/>
+                </a:tc>
+                <a:tc>
+                  <a:txBody>
+                    <a:bodyPr/>
+                    <a:lstStyle/>
+                    <a:p>
+                      <a:r>
+                        <a:rPr lang="en-US" altLang="zh-CN" dirty="0"/>
+                        <a:t>339ms</a:t>
+                      </a:r>
+                      <a:endParaRPr lang="zh-CN" altLang="en-US" dirty="0"/>
+                    </a:p>
+                  </a:txBody>
+                  <a:tcPr/>
+                </a:tc>
+                <a:tc>
+                  <a:txBody>
+                    <a:bodyPr/>
+                    <a:lstStyle/>
+                    <a:p>
+                      <a:r>
+                        <a:rPr lang="en-US" altLang="zh-CN" dirty="0"/>
+                        <a:t>623ms</a:t>
+                      </a:r>
+                      <a:endParaRPr lang="zh-CN" altLang="en-US" dirty="0"/>
+                    </a:p>
+                  </a:txBody>
+                  <a:tcPr/>
+                </a:tc>
+                <a:tc>
+                  <a:txBody>
+                    <a:bodyPr/>
+                    <a:lstStyle/>
+                    <a:p>
+                      <a:r>
+                        <a:rPr lang="en-US" altLang="zh-CN" dirty="0"/>
+                        <a:t>1408ms</a:t>
+                      </a:r>
+                      <a:endParaRPr lang="zh-CN" altLang="en-US" dirty="0"/>
+                    </a:p>
+                  </a:txBody>
+                  <a:tcPr/>
+                </a:tc>
+                <a:extLst>
+                  <a:ext uri="{0D108BD9-81ED-4DB2-BD59-A6C34878D82A}">
+                    <a16:rowId xmlns:a16="http://schemas.microsoft.com/office/drawing/2014/main" val="1011245721"/>
+                  </a:ext>
+                </a:extLst>
+              </a:tr>
+              <a:tr h="370840">
+                <a:tc>
+                  <a:txBody>
+                    <a:bodyPr/>
+                    <a:lstStyle/>
+                    <a:p>
+                      <a:r>
+                        <a:rPr lang="en-US" altLang="zh-CN" dirty="0"/>
+                        <a:t>Map</a:t>
+                      </a:r>
+                      <a:endParaRPr lang="zh-CN" altLang="en-US" dirty="0"/>
+                    </a:p>
+                  </a:txBody>
+                  <a:tcPr/>
+                </a:tc>
+                <a:tc>
+                  <a:txBody>
+                    <a:bodyPr/>
+                    <a:lstStyle/>
+                    <a:p>
+                      <a:r>
+                        <a:rPr lang="en-US" altLang="zh-CN" dirty="0"/>
+                        <a:t>73ms</a:t>
+                      </a:r>
+                      <a:endParaRPr lang="zh-CN" altLang="en-US" dirty="0"/>
+                    </a:p>
+                  </a:txBody>
+                  <a:tcPr/>
+                </a:tc>
+                <a:tc>
+                  <a:txBody>
+                    <a:bodyPr/>
+                    <a:lstStyle/>
+                    <a:p>
+                      <a:r>
+                        <a:rPr lang="en-US" altLang="zh-CN" dirty="0"/>
+                        <a:t>405ms</a:t>
+                      </a:r>
+                      <a:endParaRPr lang="zh-CN" altLang="en-US" dirty="0"/>
+                    </a:p>
+                  </a:txBody>
+                  <a:tcPr/>
+                </a:tc>
+                <a:tc>
+                  <a:txBody>
+                    <a:bodyPr/>
+                    <a:lstStyle/>
+                    <a:p>
+                      <a:r>
+                        <a:rPr lang="en-US" altLang="zh-CN" dirty="0"/>
+                        <a:t>602ms</a:t>
+                      </a:r>
+                      <a:endParaRPr lang="zh-CN" altLang="en-US" dirty="0"/>
+                    </a:p>
+                  </a:txBody>
+                  <a:tcPr/>
+                </a:tc>
+                <a:tc>
+                  <a:txBody>
+                    <a:bodyPr/>
+                    <a:lstStyle/>
+                    <a:p>
+                      <a:r>
+                        <a:rPr lang="en-US" altLang="zh-CN" dirty="0"/>
+                        <a:t>8821ms</a:t>
+                      </a:r>
+                      <a:endParaRPr lang="zh-CN" altLang="en-US" dirty="0"/>
+                    </a:p>
+                  </a:txBody>
+                  <a:tcPr/>
+                </a:tc>
+                <a:tc>
+                  <a:txBody>
+                    <a:bodyPr/>
+                    <a:lstStyle/>
+                    <a:p>
+                      <a:r>
+                        <a:rPr lang="en-US" altLang="zh-CN" dirty="0"/>
+                        <a:t>42063ms</a:t>
+                      </a:r>
+                      <a:endParaRPr lang="zh-CN" altLang="en-US" dirty="0"/>
+                    </a:p>
+                  </a:txBody>
+                  <a:tcPr/>
+                </a:tc>
+                <a:tc>
+                  <a:txBody>
+                    <a:bodyPr/>
+                    <a:lstStyle/>
+                    <a:p>
+                      <a:endParaRPr lang="zh-CN" altLang="en-US" dirty="0"/>
+                    </a:p>
+                  </a:txBody>
+                  <a:tcPr/>
+                </a:tc>
+                <a:extLst>
+                  <a:ext uri="{0D108BD9-81ED-4DB2-BD59-A6C34878D82A}">
+                    <a16:rowId xmlns:a16="http://schemas.microsoft.com/office/drawing/2014/main" val="612950020"/>
+                  </a:ext>
+                </a:extLst>
+              </a:tr>
+            </a:tbl>
+          </a:graphicData>
+        </a:graphic>
+      </p:graphicFrame>
+      <p:sp>
+        <p:nvSpPr>
+          <p:cNvPr id="6" name="文本框 5">
+            <a:extLst>
+              <a:ext uri="{FF2B5EF4-FFF2-40B4-BE49-F238E27FC236}">
+                <a16:creationId xmlns:a16="http://schemas.microsoft.com/office/drawing/2014/main" id="{0AF80231-265B-AB96-3FD6-88ABDC5433A2}"/>
+              </a:ext>
+            </a:extLst>
+          </p:cNvPr>
+          <p:cNvSpPr txBox="1"/>
+          <p:nvPr/>
+        </p:nvSpPr>
+        <p:spPr>
+          <a:xfrm>
+            <a:off x="838200" y="375005"/>
+            <a:ext cx="7737629" cy="523220"/>
+          </a:xfrm>
+          <a:prstGeom prst="rect">
+            <a:avLst/>
+          </a:prstGeom>
+          <a:noFill/>
+        </p:spPr>
+        <p:txBody>
+          <a:bodyPr wrap="square">
+            <a:spAutoFit/>
+          </a:bodyPr>
+          <a:lstStyle/>
+          <a:p>
+            <a:r>
+              <a:rPr lang="en-US" altLang="zh-CN" sz="2800" dirty="0"/>
+              <a:t>25% Searching + 50% Insertion + 25% Deletion</a:t>
+            </a:r>
+          </a:p>
+        </p:txBody>
+      </p:sp>
+      <p:sp>
+        <p:nvSpPr>
+          <p:cNvPr id="7" name="文本框 6">
+            <a:extLst>
+              <a:ext uri="{FF2B5EF4-FFF2-40B4-BE49-F238E27FC236}">
+                <a16:creationId xmlns:a16="http://schemas.microsoft.com/office/drawing/2014/main" id="{8DC22AEC-16D3-3609-F370-F7D60AB8BB45}"/>
+              </a:ext>
+            </a:extLst>
+          </p:cNvPr>
+          <p:cNvSpPr txBox="1"/>
+          <p:nvPr/>
+        </p:nvSpPr>
+        <p:spPr>
+          <a:xfrm>
+            <a:off x="838200" y="2557546"/>
+            <a:ext cx="7737629" cy="523220"/>
+          </a:xfrm>
+          <a:prstGeom prst="rect">
+            <a:avLst/>
+          </a:prstGeom>
+          <a:noFill/>
+        </p:spPr>
+        <p:txBody>
+          <a:bodyPr wrap="square">
+            <a:spAutoFit/>
+          </a:bodyPr>
+          <a:lstStyle/>
+          <a:p>
+            <a:r>
+              <a:rPr lang="en-US" altLang="zh-CN" sz="2800" dirty="0"/>
+              <a:t>1/3 Searching + 5/9 Insertion + 1/9 Deletion</a:t>
+            </a:r>
+          </a:p>
+        </p:txBody>
+      </p:sp>
+      <p:graphicFrame>
+        <p:nvGraphicFramePr>
+          <p:cNvPr id="8" name="内容占位符 3">
+            <a:extLst>
+              <a:ext uri="{FF2B5EF4-FFF2-40B4-BE49-F238E27FC236}">
+                <a16:creationId xmlns:a16="http://schemas.microsoft.com/office/drawing/2014/main" id="{963FB286-B9D0-D17B-2063-CA6B8BBD7222}"/>
+              </a:ext>
+            </a:extLst>
+          </p:cNvPr>
+          <p:cNvGraphicFramePr>
+            <a:graphicFrameLocks/>
+          </p:cNvGraphicFramePr>
+          <p:nvPr>
+            <p:extLst>
+              <p:ext uri="{D42A27DB-BD31-4B8C-83A1-F6EECF244321}">
+                <p14:modId xmlns:p14="http://schemas.microsoft.com/office/powerpoint/2010/main" val="1970512858"/>
+              </p:ext>
+            </p:extLst>
+          </p:nvPr>
+        </p:nvGraphicFramePr>
+        <p:xfrm>
+          <a:off x="838200" y="3128507"/>
+          <a:ext cx="9013368" cy="1483360"/>
+        </p:xfrm>
+        <a:graphic>
+          <a:graphicData uri="http://schemas.openxmlformats.org/drawingml/2006/table">
+            <a:tbl>
+              <a:tblPr firstRow="1" bandRow="1">
+                <a:tableStyleId>{5940675A-B579-460E-94D1-54222C63F5DA}</a:tableStyleId>
+              </a:tblPr>
+              <a:tblGrid>
+                <a:gridCol w="1502228">
+                  <a:extLst>
+                    <a:ext uri="{9D8B030D-6E8A-4147-A177-3AD203B41FA5}">
+                      <a16:colId xmlns:a16="http://schemas.microsoft.com/office/drawing/2014/main" val="2952997908"/>
+                    </a:ext>
+                  </a:extLst>
+                </a:gridCol>
+                <a:gridCol w="1502228">
+                  <a:extLst>
+                    <a:ext uri="{9D8B030D-6E8A-4147-A177-3AD203B41FA5}">
+                      <a16:colId xmlns:a16="http://schemas.microsoft.com/office/drawing/2014/main" val="2290912018"/>
+                    </a:ext>
+                  </a:extLst>
+                </a:gridCol>
+                <a:gridCol w="1502228">
+                  <a:extLst>
+                    <a:ext uri="{9D8B030D-6E8A-4147-A177-3AD203B41FA5}">
+                      <a16:colId xmlns:a16="http://schemas.microsoft.com/office/drawing/2014/main" val="4041651064"/>
+                    </a:ext>
+                  </a:extLst>
+                </a:gridCol>
+                <a:gridCol w="1502228">
+                  <a:extLst>
+                    <a:ext uri="{9D8B030D-6E8A-4147-A177-3AD203B41FA5}">
+                      <a16:colId xmlns:a16="http://schemas.microsoft.com/office/drawing/2014/main" val="2285710396"/>
+                    </a:ext>
+                  </a:extLst>
+                </a:gridCol>
+                <a:gridCol w="1502228">
+                  <a:extLst>
+                    <a:ext uri="{9D8B030D-6E8A-4147-A177-3AD203B41FA5}">
+                      <a16:colId xmlns:a16="http://schemas.microsoft.com/office/drawing/2014/main" val="1348474503"/>
+                    </a:ext>
+                  </a:extLst>
+                </a:gridCol>
+                <a:gridCol w="1502228">
+                  <a:extLst>
+                    <a:ext uri="{9D8B030D-6E8A-4147-A177-3AD203B41FA5}">
+                      <a16:colId xmlns:a16="http://schemas.microsoft.com/office/drawing/2014/main" val="1050502276"/>
+                    </a:ext>
+                  </a:extLst>
+                </a:gridCol>
+              </a:tblGrid>
+              <a:tr h="370840">
+                <a:tc>
+                  <a:txBody>
+                    <a:bodyPr/>
+                    <a:lstStyle/>
+                    <a:p>
+                      <a:endParaRPr lang="zh-CN" altLang="en-US" dirty="0"/>
+                    </a:p>
+                  </a:txBody>
+                  <a:tcPr/>
+                </a:tc>
+                <a:tc>
+                  <a:txBody>
+                    <a:bodyPr/>
+                    <a:lstStyle/>
+                    <a:p>
+                      <a:r>
+                        <a:rPr lang="en-US" altLang="zh-CN" dirty="0"/>
+                        <a:t>30000</a:t>
+                      </a:r>
+                      <a:endParaRPr lang="zh-CN" altLang="en-US" dirty="0"/>
+                    </a:p>
+                  </a:txBody>
+                  <a:tcPr/>
+                </a:tc>
+                <a:tc>
+                  <a:txBody>
+                    <a:bodyPr/>
+                    <a:lstStyle/>
+                    <a:p>
+                      <a:r>
+                        <a:rPr lang="en-US" altLang="zh-CN" dirty="0"/>
+                        <a:t>80000</a:t>
+                      </a:r>
+                      <a:endParaRPr lang="zh-CN" altLang="en-US" dirty="0"/>
+                    </a:p>
+                  </a:txBody>
+                  <a:tcPr/>
+                </a:tc>
+                <a:tc>
+                  <a:txBody>
+                    <a:bodyPr/>
+                    <a:lstStyle/>
+                    <a:p>
+                      <a:r>
+                        <a:rPr lang="en-US" altLang="zh-CN" dirty="0"/>
+                        <a:t>100000</a:t>
+                      </a:r>
+                      <a:endParaRPr lang="zh-CN" altLang="en-US" dirty="0"/>
+                    </a:p>
+                  </a:txBody>
+                  <a:tcPr/>
+                </a:tc>
+                <a:tc>
+                  <a:txBody>
+                    <a:bodyPr/>
+                    <a:lstStyle/>
+                    <a:p>
+                      <a:r>
+                        <a:rPr lang="en-US" altLang="zh-CN" dirty="0"/>
+                        <a:t>300000</a:t>
+                      </a:r>
+                      <a:endParaRPr lang="zh-CN" altLang="en-US" dirty="0"/>
+                    </a:p>
+                  </a:txBody>
+                  <a:tcPr/>
+                </a:tc>
+                <a:tc>
+                  <a:txBody>
+                    <a:bodyPr/>
+                    <a:lstStyle/>
+                    <a:p>
+                      <a:r>
+                        <a:rPr lang="en-US" altLang="zh-CN" dirty="0"/>
+                        <a:t>500000</a:t>
+                      </a:r>
+                      <a:endParaRPr lang="zh-CN" altLang="en-US" dirty="0"/>
+                    </a:p>
+                  </a:txBody>
+                  <a:tcPr/>
+                </a:tc>
+                <a:extLst>
+                  <a:ext uri="{0D108BD9-81ED-4DB2-BD59-A6C34878D82A}">
+                    <a16:rowId xmlns:a16="http://schemas.microsoft.com/office/drawing/2014/main" val="1428176341"/>
+                  </a:ext>
+                </a:extLst>
+              </a:tr>
+              <a:tr h="370840">
+                <a:tc>
+                  <a:txBody>
+                    <a:bodyPr/>
+                    <a:lstStyle/>
+                    <a:p>
+                      <a:r>
+                        <a:rPr lang="en-US" altLang="zh-CN" dirty="0" err="1"/>
+                        <a:t>SkipList</a:t>
+                      </a:r>
+                      <a:endParaRPr lang="zh-CN" altLang="en-US" dirty="0"/>
+                    </a:p>
+                  </a:txBody>
+                  <a:tcPr/>
+                </a:tc>
+                <a:tc>
+                  <a:txBody>
+                    <a:bodyPr/>
+                    <a:lstStyle/>
+                    <a:p>
+                      <a:r>
+                        <a:rPr lang="en-US" altLang="zh-CN" dirty="0"/>
+                        <a:t>18ms</a:t>
+                      </a:r>
+                      <a:endParaRPr lang="zh-CN" altLang="en-US" dirty="0"/>
+                    </a:p>
+                  </a:txBody>
+                  <a:tcPr/>
+                </a:tc>
+                <a:tc>
+                  <a:txBody>
+                    <a:bodyPr/>
+                    <a:lstStyle/>
+                    <a:p>
+                      <a:r>
+                        <a:rPr lang="en-US" altLang="zh-CN" dirty="0"/>
+                        <a:t>60ms</a:t>
+                      </a:r>
+                      <a:endParaRPr lang="zh-CN" altLang="en-US" dirty="0"/>
+                    </a:p>
+                  </a:txBody>
+                  <a:tcPr/>
+                </a:tc>
+                <a:tc>
+                  <a:txBody>
+                    <a:bodyPr/>
+                    <a:lstStyle/>
+                    <a:p>
+                      <a:r>
+                        <a:rPr lang="en-US" altLang="zh-CN" dirty="0"/>
+                        <a:t>61ms</a:t>
+                      </a:r>
+                      <a:endParaRPr lang="zh-CN" altLang="en-US" dirty="0"/>
+                    </a:p>
+                  </a:txBody>
+                  <a:tcPr/>
+                </a:tc>
+                <a:tc>
+                  <a:txBody>
+                    <a:bodyPr/>
+                    <a:lstStyle/>
+                    <a:p>
+                      <a:r>
+                        <a:rPr lang="en-US" altLang="zh-CN" dirty="0"/>
+                        <a:t>282ms</a:t>
+                      </a:r>
+                      <a:endParaRPr lang="zh-CN" altLang="en-US" dirty="0"/>
+                    </a:p>
+                  </a:txBody>
+                  <a:tcPr/>
+                </a:tc>
+                <a:tc>
+                  <a:txBody>
+                    <a:bodyPr/>
+                    <a:lstStyle/>
+                    <a:p>
+                      <a:r>
+                        <a:rPr lang="en-US" altLang="zh-CN" dirty="0"/>
+                        <a:t>500ms</a:t>
+                      </a:r>
+                      <a:endParaRPr lang="zh-CN" altLang="en-US" dirty="0"/>
+                    </a:p>
+                  </a:txBody>
+                  <a:tcPr/>
+                </a:tc>
+                <a:extLst>
+                  <a:ext uri="{0D108BD9-81ED-4DB2-BD59-A6C34878D82A}">
+                    <a16:rowId xmlns:a16="http://schemas.microsoft.com/office/drawing/2014/main" val="3819199659"/>
+                  </a:ext>
+                </a:extLst>
+              </a:tr>
+              <a:tr h="370840">
+                <a:tc>
+                  <a:txBody>
+                    <a:bodyPr/>
+                    <a:lstStyle/>
+                    <a:p>
+                      <a:r>
+                        <a:rPr lang="en-US" altLang="zh-CN" dirty="0"/>
+                        <a:t>RB Tree</a:t>
+                      </a:r>
+                      <a:endParaRPr lang="zh-CN" altLang="en-US" dirty="0"/>
+                    </a:p>
+                  </a:txBody>
+                  <a:tcPr/>
+                </a:tc>
+                <a:tc>
+                  <a:txBody>
+                    <a:bodyPr/>
+                    <a:lstStyle/>
+                    <a:p>
+                      <a:r>
+                        <a:rPr lang="en-US" altLang="zh-CN" dirty="0"/>
+                        <a:t>21ms</a:t>
+                      </a:r>
+                      <a:endParaRPr lang="zh-CN" altLang="en-US" dirty="0"/>
+                    </a:p>
+                  </a:txBody>
+                  <a:tcPr/>
+                </a:tc>
+                <a:tc>
+                  <a:txBody>
+                    <a:bodyPr/>
+                    <a:lstStyle/>
+                    <a:p>
+                      <a:r>
+                        <a:rPr lang="en-US" altLang="zh-CN" dirty="0"/>
+                        <a:t>82ms</a:t>
+                      </a:r>
+                      <a:endParaRPr lang="zh-CN" altLang="en-US" dirty="0"/>
+                    </a:p>
+                  </a:txBody>
+                  <a:tcPr/>
+                </a:tc>
+                <a:tc>
+                  <a:txBody>
+                    <a:bodyPr/>
+                    <a:lstStyle/>
+                    <a:p>
+                      <a:r>
+                        <a:rPr lang="en-US" altLang="zh-CN" dirty="0"/>
+                        <a:t>87ms</a:t>
+                      </a:r>
+                      <a:endParaRPr lang="zh-CN" altLang="en-US" dirty="0"/>
+                    </a:p>
+                  </a:txBody>
+                  <a:tcPr/>
+                </a:tc>
+                <a:tc>
+                  <a:txBody>
+                    <a:bodyPr/>
+                    <a:lstStyle/>
+                    <a:p>
+                      <a:r>
+                        <a:rPr lang="en-US" altLang="zh-CN" dirty="0"/>
+                        <a:t>332ms</a:t>
+                      </a:r>
+                      <a:endParaRPr lang="zh-CN" altLang="en-US" dirty="0"/>
+                    </a:p>
+                  </a:txBody>
+                  <a:tcPr/>
+                </a:tc>
+                <a:tc>
+                  <a:txBody>
+                    <a:bodyPr/>
+                    <a:lstStyle/>
+                    <a:p>
+                      <a:r>
+                        <a:rPr lang="en-US" altLang="zh-CN" dirty="0"/>
+                        <a:t>574ms</a:t>
+                      </a:r>
+                      <a:endParaRPr lang="zh-CN" altLang="en-US" dirty="0"/>
+                    </a:p>
+                  </a:txBody>
+                  <a:tcPr/>
+                </a:tc>
+                <a:extLst>
+                  <a:ext uri="{0D108BD9-81ED-4DB2-BD59-A6C34878D82A}">
+                    <a16:rowId xmlns:a16="http://schemas.microsoft.com/office/drawing/2014/main" val="1011245721"/>
+                  </a:ext>
+                </a:extLst>
+              </a:tr>
+              <a:tr h="370840">
+                <a:tc>
+                  <a:txBody>
+                    <a:bodyPr/>
+                    <a:lstStyle/>
+                    <a:p>
+                      <a:r>
+                        <a:rPr lang="en-US" altLang="zh-CN" dirty="0"/>
+                        <a:t>Map</a:t>
+                      </a:r>
+                      <a:endParaRPr lang="zh-CN" altLang="en-US" dirty="0"/>
+                    </a:p>
+                  </a:txBody>
+                  <a:tcPr/>
+                </a:tc>
+                <a:tc>
+                  <a:txBody>
+                    <a:bodyPr/>
+                    <a:lstStyle/>
+                    <a:p>
+                      <a:r>
+                        <a:rPr lang="en-US" altLang="zh-CN" dirty="0"/>
+                        <a:t>111ms</a:t>
+                      </a:r>
+                      <a:endParaRPr lang="zh-CN" altLang="en-US" dirty="0"/>
+                    </a:p>
+                  </a:txBody>
+                  <a:tcPr/>
+                </a:tc>
+                <a:tc>
+                  <a:txBody>
+                    <a:bodyPr/>
+                    <a:lstStyle/>
+                    <a:p>
+                      <a:r>
+                        <a:rPr lang="en-US" altLang="zh-CN" dirty="0"/>
+                        <a:t>914ms</a:t>
+                      </a:r>
+                      <a:endParaRPr lang="zh-CN" altLang="en-US" dirty="0"/>
+                    </a:p>
+                  </a:txBody>
+                  <a:tcPr/>
+                </a:tc>
+                <a:tc>
+                  <a:txBody>
+                    <a:bodyPr/>
+                    <a:lstStyle/>
+                    <a:p>
+                      <a:r>
+                        <a:rPr lang="en-US" altLang="zh-CN" dirty="0"/>
+                        <a:t>1536ms</a:t>
+                      </a:r>
+                      <a:endParaRPr lang="zh-CN" altLang="en-US" dirty="0"/>
+                    </a:p>
+                  </a:txBody>
+                  <a:tcPr/>
+                </a:tc>
+                <a:tc>
+                  <a:txBody>
+                    <a:bodyPr/>
+                    <a:lstStyle/>
+                    <a:p>
+                      <a:r>
+                        <a:rPr lang="en-US" altLang="zh-CN" dirty="0"/>
+                        <a:t>30116ms</a:t>
+                      </a:r>
+                      <a:endParaRPr lang="zh-CN" altLang="en-US" dirty="0"/>
+                    </a:p>
+                  </a:txBody>
+                  <a:tcPr/>
+                </a:tc>
+                <a:tc>
+                  <a:txBody>
+                    <a:bodyPr/>
+                    <a:lstStyle/>
+                    <a:p>
+                      <a:r>
+                        <a:rPr lang="en-US" altLang="zh-CN" dirty="0"/>
+                        <a:t>42063ms</a:t>
+                      </a:r>
+                      <a:endParaRPr lang="zh-CN" altLang="en-US" dirty="0"/>
+                    </a:p>
+                  </a:txBody>
+                  <a:tcPr/>
+                </a:tc>
+                <a:extLst>
+                  <a:ext uri="{0D108BD9-81ED-4DB2-BD59-A6C34878D82A}">
+                    <a16:rowId xmlns:a16="http://schemas.microsoft.com/office/drawing/2014/main" val="612950020"/>
+                  </a:ext>
+                </a:extLst>
+              </a:tr>
+            </a:tbl>
+          </a:graphicData>
+        </a:graphic>
+      </p:graphicFrame>
+      <p:sp>
+        <p:nvSpPr>
+          <p:cNvPr id="9" name="文本框 8">
+            <a:extLst>
+              <a:ext uri="{FF2B5EF4-FFF2-40B4-BE49-F238E27FC236}">
+                <a16:creationId xmlns:a16="http://schemas.microsoft.com/office/drawing/2014/main" id="{A4B45CCF-F360-D88C-A594-2426781445A2}"/>
+              </a:ext>
+            </a:extLst>
+          </p:cNvPr>
+          <p:cNvSpPr txBox="1"/>
+          <p:nvPr/>
+        </p:nvSpPr>
+        <p:spPr>
+          <a:xfrm>
+            <a:off x="838199" y="4611867"/>
+            <a:ext cx="7737629" cy="523220"/>
+          </a:xfrm>
+          <a:prstGeom prst="rect">
+            <a:avLst/>
+          </a:prstGeom>
+          <a:noFill/>
+        </p:spPr>
+        <p:txBody>
+          <a:bodyPr wrap="square">
+            <a:spAutoFit/>
+          </a:bodyPr>
+          <a:lstStyle/>
+          <a:p>
+            <a:r>
+              <a:rPr lang="en-US" altLang="zh-CN" sz="2800" dirty="0"/>
+              <a:t>Only Insertion</a:t>
+            </a:r>
+          </a:p>
+        </p:txBody>
+      </p:sp>
+      <p:graphicFrame>
+        <p:nvGraphicFramePr>
+          <p:cNvPr id="10" name="内容占位符 3">
+            <a:extLst>
+              <a:ext uri="{FF2B5EF4-FFF2-40B4-BE49-F238E27FC236}">
+                <a16:creationId xmlns:a16="http://schemas.microsoft.com/office/drawing/2014/main" id="{B171C39D-957D-5371-ADB2-2DE595EBA979}"/>
+              </a:ext>
+            </a:extLst>
+          </p:cNvPr>
+          <p:cNvGraphicFramePr>
+            <a:graphicFrameLocks/>
+          </p:cNvGraphicFramePr>
+          <p:nvPr>
+            <p:extLst>
+              <p:ext uri="{D42A27DB-BD31-4B8C-83A1-F6EECF244321}">
+                <p14:modId xmlns:p14="http://schemas.microsoft.com/office/powerpoint/2010/main" val="2747504467"/>
+              </p:ext>
+            </p:extLst>
+          </p:nvPr>
+        </p:nvGraphicFramePr>
+        <p:xfrm>
+          <a:off x="838200" y="5182828"/>
+          <a:ext cx="9013368" cy="1483360"/>
+        </p:xfrm>
+        <a:graphic>
+          <a:graphicData uri="http://schemas.openxmlformats.org/drawingml/2006/table">
+            <a:tbl>
+              <a:tblPr firstRow="1" bandRow="1">
+                <a:tableStyleId>{5940675A-B579-460E-94D1-54222C63F5DA}</a:tableStyleId>
+              </a:tblPr>
+              <a:tblGrid>
+                <a:gridCol w="1502228">
+                  <a:extLst>
+                    <a:ext uri="{9D8B030D-6E8A-4147-A177-3AD203B41FA5}">
+                      <a16:colId xmlns:a16="http://schemas.microsoft.com/office/drawing/2014/main" val="2952997908"/>
+                    </a:ext>
+                  </a:extLst>
+                </a:gridCol>
+                <a:gridCol w="1502228">
+                  <a:extLst>
+                    <a:ext uri="{9D8B030D-6E8A-4147-A177-3AD203B41FA5}">
+                      <a16:colId xmlns:a16="http://schemas.microsoft.com/office/drawing/2014/main" val="2290912018"/>
+                    </a:ext>
+                  </a:extLst>
+                </a:gridCol>
+                <a:gridCol w="1502228">
+                  <a:extLst>
+                    <a:ext uri="{9D8B030D-6E8A-4147-A177-3AD203B41FA5}">
+                      <a16:colId xmlns:a16="http://schemas.microsoft.com/office/drawing/2014/main" val="4041651064"/>
+                    </a:ext>
+                  </a:extLst>
+                </a:gridCol>
+                <a:gridCol w="1502228">
+                  <a:extLst>
+                    <a:ext uri="{9D8B030D-6E8A-4147-A177-3AD203B41FA5}">
+                      <a16:colId xmlns:a16="http://schemas.microsoft.com/office/drawing/2014/main" val="2285710396"/>
+                    </a:ext>
+                  </a:extLst>
+                </a:gridCol>
+                <a:gridCol w="1502228">
+                  <a:extLst>
+                    <a:ext uri="{9D8B030D-6E8A-4147-A177-3AD203B41FA5}">
+                      <a16:colId xmlns:a16="http://schemas.microsoft.com/office/drawing/2014/main" val="1348474503"/>
+                    </a:ext>
+                  </a:extLst>
+                </a:gridCol>
+                <a:gridCol w="1502228">
+                  <a:extLst>
+                    <a:ext uri="{9D8B030D-6E8A-4147-A177-3AD203B41FA5}">
+                      <a16:colId xmlns:a16="http://schemas.microsoft.com/office/drawing/2014/main" val="1050502276"/>
+                    </a:ext>
+                  </a:extLst>
+                </a:gridCol>
+              </a:tblGrid>
+              <a:tr h="370840">
+                <a:tc>
+                  <a:txBody>
+                    <a:bodyPr/>
+                    <a:lstStyle/>
+                    <a:p>
+                      <a:endParaRPr lang="zh-CN" altLang="en-US" dirty="0"/>
+                    </a:p>
+                  </a:txBody>
+                  <a:tcPr/>
+                </a:tc>
+                <a:tc>
+                  <a:txBody>
+                    <a:bodyPr/>
+                    <a:lstStyle/>
+                    <a:p>
+                      <a:r>
+                        <a:rPr lang="en-US" altLang="zh-CN" dirty="0"/>
+                        <a:t>30000</a:t>
+                      </a:r>
+                      <a:endParaRPr lang="zh-CN" altLang="en-US" dirty="0"/>
+                    </a:p>
+                  </a:txBody>
+                  <a:tcPr/>
+                </a:tc>
+                <a:tc>
+                  <a:txBody>
+                    <a:bodyPr/>
+                    <a:lstStyle/>
+                    <a:p>
+                      <a:r>
+                        <a:rPr lang="en-US" altLang="zh-CN" dirty="0"/>
+                        <a:t>80000</a:t>
+                      </a:r>
+                      <a:endParaRPr lang="zh-CN" altLang="en-US" dirty="0"/>
+                    </a:p>
+                  </a:txBody>
+                  <a:tcPr/>
+                </a:tc>
+                <a:tc>
+                  <a:txBody>
+                    <a:bodyPr/>
+                    <a:lstStyle/>
+                    <a:p>
+                      <a:r>
+                        <a:rPr lang="en-US" altLang="zh-CN" dirty="0"/>
+                        <a:t>100000</a:t>
+                      </a:r>
+                      <a:endParaRPr lang="zh-CN" altLang="en-US" dirty="0"/>
+                    </a:p>
+                  </a:txBody>
+                  <a:tcPr/>
+                </a:tc>
+                <a:tc>
+                  <a:txBody>
+                    <a:bodyPr/>
+                    <a:lstStyle/>
+                    <a:p>
+                      <a:r>
+                        <a:rPr lang="en-US" altLang="zh-CN" dirty="0"/>
+                        <a:t>300000</a:t>
+                      </a:r>
+                      <a:endParaRPr lang="zh-CN" altLang="en-US" dirty="0"/>
+                    </a:p>
+                  </a:txBody>
+                  <a:tcPr/>
+                </a:tc>
+                <a:tc>
+                  <a:txBody>
+                    <a:bodyPr/>
+                    <a:lstStyle/>
+                    <a:p>
+                      <a:r>
+                        <a:rPr lang="en-US" altLang="zh-CN" dirty="0"/>
+                        <a:t>500000</a:t>
+                      </a:r>
+                      <a:endParaRPr lang="zh-CN" altLang="en-US" dirty="0"/>
+                    </a:p>
+                  </a:txBody>
+                  <a:tcPr/>
+                </a:tc>
+                <a:extLst>
+                  <a:ext uri="{0D108BD9-81ED-4DB2-BD59-A6C34878D82A}">
+                    <a16:rowId xmlns:a16="http://schemas.microsoft.com/office/drawing/2014/main" val="1428176341"/>
+                  </a:ext>
+                </a:extLst>
+              </a:tr>
+              <a:tr h="370840">
+                <a:tc>
+                  <a:txBody>
+                    <a:bodyPr/>
+                    <a:lstStyle/>
+                    <a:p>
+                      <a:r>
+                        <a:rPr lang="en-US" altLang="zh-CN" dirty="0" err="1"/>
+                        <a:t>SkipList</a:t>
+                      </a:r>
+                      <a:endParaRPr lang="zh-CN" altLang="en-US" dirty="0"/>
+                    </a:p>
+                  </a:txBody>
+                  <a:tcPr/>
+                </a:tc>
+                <a:tc>
+                  <a:txBody>
+                    <a:bodyPr/>
+                    <a:lstStyle/>
+                    <a:p>
+                      <a:r>
+                        <a:rPr lang="en-US" altLang="zh-CN" dirty="0"/>
+                        <a:t>17ms</a:t>
+                      </a:r>
+                      <a:endParaRPr lang="zh-CN" altLang="en-US" dirty="0"/>
+                    </a:p>
+                  </a:txBody>
+                  <a:tcPr/>
+                </a:tc>
+                <a:tc>
+                  <a:txBody>
+                    <a:bodyPr/>
+                    <a:lstStyle/>
+                    <a:p>
+                      <a:r>
+                        <a:rPr lang="en-US" altLang="zh-CN" dirty="0"/>
+                        <a:t>82ms</a:t>
+                      </a:r>
+                      <a:endParaRPr lang="zh-CN" altLang="en-US" dirty="0"/>
+                    </a:p>
+                  </a:txBody>
+                  <a:tcPr/>
+                </a:tc>
+                <a:tc>
+                  <a:txBody>
+                    <a:bodyPr/>
+                    <a:lstStyle/>
+                    <a:p>
+                      <a:r>
+                        <a:rPr lang="en-US" altLang="zh-CN" dirty="0"/>
+                        <a:t>96ms</a:t>
+                      </a:r>
+                      <a:endParaRPr lang="zh-CN" altLang="en-US" dirty="0"/>
+                    </a:p>
+                  </a:txBody>
+                  <a:tcPr/>
+                </a:tc>
+                <a:tc>
+                  <a:txBody>
+                    <a:bodyPr/>
+                    <a:lstStyle/>
+                    <a:p>
+                      <a:r>
+                        <a:rPr lang="en-US" altLang="zh-CN" dirty="0"/>
+                        <a:t>336ms</a:t>
+                      </a:r>
+                      <a:endParaRPr lang="zh-CN" altLang="en-US" dirty="0"/>
+                    </a:p>
+                  </a:txBody>
+                  <a:tcPr/>
+                </a:tc>
+                <a:tc>
+                  <a:txBody>
+                    <a:bodyPr/>
+                    <a:lstStyle/>
+                    <a:p>
+                      <a:r>
+                        <a:rPr lang="en-US" altLang="zh-CN" dirty="0"/>
+                        <a:t>602ms</a:t>
+                      </a:r>
+                      <a:endParaRPr lang="zh-CN" altLang="en-US" dirty="0"/>
+                    </a:p>
+                  </a:txBody>
+                  <a:tcPr/>
+                </a:tc>
+                <a:extLst>
+                  <a:ext uri="{0D108BD9-81ED-4DB2-BD59-A6C34878D82A}">
+                    <a16:rowId xmlns:a16="http://schemas.microsoft.com/office/drawing/2014/main" val="3819199659"/>
+                  </a:ext>
+                </a:extLst>
+              </a:tr>
+              <a:tr h="370840">
+                <a:tc>
+                  <a:txBody>
+                    <a:bodyPr/>
+                    <a:lstStyle/>
+                    <a:p>
+                      <a:r>
+                        <a:rPr lang="en-US" altLang="zh-CN" dirty="0"/>
+                        <a:t>RB Tree</a:t>
+                      </a:r>
+                      <a:endParaRPr lang="zh-CN" altLang="en-US" dirty="0"/>
+                    </a:p>
+                  </a:txBody>
+                  <a:tcPr/>
+                </a:tc>
+                <a:tc>
+                  <a:txBody>
+                    <a:bodyPr/>
+                    <a:lstStyle/>
+                    <a:p>
+                      <a:r>
+                        <a:rPr lang="en-US" altLang="zh-CN" dirty="0"/>
+                        <a:t>25ms</a:t>
+                      </a:r>
+                      <a:endParaRPr lang="zh-CN" altLang="en-US" dirty="0"/>
+                    </a:p>
+                  </a:txBody>
+                  <a:tcPr/>
+                </a:tc>
+                <a:tc>
+                  <a:txBody>
+                    <a:bodyPr/>
+                    <a:lstStyle/>
+                    <a:p>
+                      <a:r>
+                        <a:rPr lang="en-US" altLang="zh-CN" dirty="0"/>
+                        <a:t>82ms</a:t>
+                      </a:r>
+                      <a:endParaRPr lang="zh-CN" altLang="en-US" dirty="0"/>
+                    </a:p>
+                  </a:txBody>
+                  <a:tcPr/>
+                </a:tc>
+                <a:tc>
+                  <a:txBody>
+                    <a:bodyPr/>
+                    <a:lstStyle/>
+                    <a:p>
+                      <a:r>
+                        <a:rPr lang="en-US" altLang="zh-CN" dirty="0"/>
+                        <a:t>129ms</a:t>
+                      </a:r>
+                      <a:endParaRPr lang="zh-CN" altLang="en-US" dirty="0"/>
+                    </a:p>
+                  </a:txBody>
+                  <a:tcPr/>
+                </a:tc>
+                <a:tc>
+                  <a:txBody>
+                    <a:bodyPr/>
+                    <a:lstStyle/>
+                    <a:p>
+                      <a:r>
+                        <a:rPr lang="en-US" altLang="zh-CN" dirty="0"/>
+                        <a:t>430ms</a:t>
+                      </a:r>
+                      <a:endParaRPr lang="zh-CN" altLang="en-US" dirty="0"/>
+                    </a:p>
+                  </a:txBody>
+                  <a:tcPr/>
+                </a:tc>
+                <a:tc>
+                  <a:txBody>
+                    <a:bodyPr/>
+                    <a:lstStyle/>
+                    <a:p>
+                      <a:r>
+                        <a:rPr lang="en-US" altLang="zh-CN" dirty="0"/>
+                        <a:t>804ms</a:t>
+                      </a:r>
+                      <a:endParaRPr lang="zh-CN" altLang="en-US" dirty="0"/>
+                    </a:p>
+                  </a:txBody>
+                  <a:tcPr/>
+                </a:tc>
+                <a:extLst>
+                  <a:ext uri="{0D108BD9-81ED-4DB2-BD59-A6C34878D82A}">
+                    <a16:rowId xmlns:a16="http://schemas.microsoft.com/office/drawing/2014/main" val="1011245721"/>
+                  </a:ext>
+                </a:extLst>
+              </a:tr>
+              <a:tr h="370840">
+                <a:tc>
+                  <a:txBody>
+                    <a:bodyPr/>
+                    <a:lstStyle/>
+                    <a:p>
+                      <a:r>
+                        <a:rPr lang="en-US" altLang="zh-CN" dirty="0"/>
+                        <a:t>Map</a:t>
+                      </a:r>
+                      <a:endParaRPr lang="zh-CN" altLang="en-US" dirty="0"/>
+                    </a:p>
+                  </a:txBody>
+                  <a:tcPr/>
+                </a:tc>
+                <a:tc>
+                  <a:txBody>
+                    <a:bodyPr/>
+                    <a:lstStyle/>
+                    <a:p>
+                      <a:r>
+                        <a:rPr lang="en-US" altLang="zh-CN" dirty="0"/>
+                        <a:t>16ms</a:t>
+                      </a:r>
+                      <a:endParaRPr lang="zh-CN" altLang="en-US" dirty="0"/>
+                    </a:p>
+                  </a:txBody>
+                  <a:tcPr/>
+                </a:tc>
+                <a:tc>
+                  <a:txBody>
+                    <a:bodyPr/>
+                    <a:lstStyle/>
+                    <a:p>
+                      <a:r>
+                        <a:rPr lang="en-US" altLang="zh-CN" dirty="0"/>
+                        <a:t>54ms</a:t>
+                      </a:r>
+                      <a:endParaRPr lang="zh-CN" altLang="en-US" dirty="0"/>
+                    </a:p>
+                  </a:txBody>
+                  <a:tcPr/>
+                </a:tc>
+                <a:tc>
+                  <a:txBody>
+                    <a:bodyPr/>
+                    <a:lstStyle/>
+                    <a:p>
+                      <a:r>
+                        <a:rPr lang="en-US" altLang="zh-CN" dirty="0"/>
+                        <a:t>73ms</a:t>
+                      </a:r>
+                      <a:endParaRPr lang="zh-CN" altLang="en-US" dirty="0"/>
+                    </a:p>
+                  </a:txBody>
+                  <a:tcPr/>
+                </a:tc>
+                <a:tc>
+                  <a:txBody>
+                    <a:bodyPr/>
+                    <a:lstStyle/>
+                    <a:p>
+                      <a:r>
+                        <a:rPr lang="en-US" altLang="zh-CN" dirty="0"/>
+                        <a:t>229ms</a:t>
+                      </a:r>
+                      <a:endParaRPr lang="zh-CN" altLang="en-US" dirty="0"/>
+                    </a:p>
+                  </a:txBody>
+                  <a:tcPr/>
+                </a:tc>
+                <a:tc>
+                  <a:txBody>
+                    <a:bodyPr/>
+                    <a:lstStyle/>
+                    <a:p>
+                      <a:r>
+                        <a:rPr lang="en-US" altLang="zh-CN" dirty="0"/>
+                        <a:t>472ms</a:t>
+                      </a:r>
+                      <a:endParaRPr lang="zh-CN" altLang="en-US" dirty="0"/>
+                    </a:p>
+                  </a:txBody>
+                  <a:tcPr/>
+                </a:tc>
+                <a:extLst>
+                  <a:ext uri="{0D108BD9-81ED-4DB2-BD59-A6C34878D82A}">
+                    <a16:rowId xmlns:a16="http://schemas.microsoft.com/office/drawing/2014/main" val="612950020"/>
+                  </a:ext>
+                </a:extLst>
+              </a:tr>
+            </a:tbl>
+          </a:graphicData>
+        </a:graphic>
+      </p:graphicFrame>
+    </p:spTree>
+    <p:extLst>
+      <p:ext uri="{BB962C8B-B14F-4D97-AF65-F5344CB8AC3E}">
+        <p14:creationId xmlns:p14="http://schemas.microsoft.com/office/powerpoint/2010/main" val="3305117924"/>
+      </p:ext>
+    </p:extLst>
+  </p:cSld>
+  <p:clrMapOvr>
+    <a:masterClrMapping/>
+  </p:clrMapOvr>
+</p:sld>
+</file>
+
+<file path=ppt/slides/slide21.xml><?xml version="1.0" encoding="utf-8"?>
+<p:sld xmlns:a="http://schemas.openxmlformats.org/drawingml/2006/main" xmlns:r="http://schemas.openxmlformats.org/officeDocument/2006/relationships" xmlns:p="http://schemas.openxmlformats.org/presentationml/2006/main">
+  <p:cSld>
+    <p:spTree>
+      <p:nvGrpSpPr>
+        <p:cNvPr id="1" name=""/>
+        <p:cNvGrpSpPr/>
+        <p:nvPr/>
+      </p:nvGrpSpPr>
+      <p:grpSpPr>
+        <a:xfrm>
+          <a:off x="0" y="0"/>
+          <a:ext cx="0" cy="0"/>
+          <a:chOff x="0" y="0"/>
+          <a:chExt cx="0" cy="0"/>
+        </a:xfrm>
+      </p:grpSpPr>
+      <p:pic>
+        <p:nvPicPr>
+          <p:cNvPr id="12" name="图片 11">
+            <a:extLst>
+              <a:ext uri="{FF2B5EF4-FFF2-40B4-BE49-F238E27FC236}">
+                <a16:creationId xmlns:a16="http://schemas.microsoft.com/office/drawing/2014/main" id="{E4876E75-A17D-34C7-3D9F-5784156F44D9}"/>
+              </a:ext>
+            </a:extLst>
+          </p:cNvPr>
+          <p:cNvPicPr>
+            <a:picLocks noChangeAspect="1"/>
+          </p:cNvPicPr>
+          <p:nvPr/>
+        </p:nvPicPr>
+        <p:blipFill>
+          <a:blip r:embed="rId2"/>
+          <a:stretch>
+            <a:fillRect/>
+          </a:stretch>
+        </p:blipFill>
+        <p:spPr>
+          <a:xfrm>
+            <a:off x="570788" y="418762"/>
+            <a:ext cx="4480948" cy="2682472"/>
+          </a:xfrm>
+          <a:prstGeom prst="rect">
+            <a:avLst/>
+          </a:prstGeom>
+        </p:spPr>
+      </p:pic>
+      <p:pic>
+        <p:nvPicPr>
+          <p:cNvPr id="14" name="图片 13">
+            <a:extLst>
+              <a:ext uri="{FF2B5EF4-FFF2-40B4-BE49-F238E27FC236}">
+                <a16:creationId xmlns:a16="http://schemas.microsoft.com/office/drawing/2014/main" id="{38B3191F-EBF2-A950-652E-1AC724E98FD8}"/>
+              </a:ext>
+            </a:extLst>
+          </p:cNvPr>
+          <p:cNvPicPr>
+            <a:picLocks noChangeAspect="1"/>
+          </p:cNvPicPr>
+          <p:nvPr/>
+        </p:nvPicPr>
+        <p:blipFill>
+          <a:blip r:embed="rId3"/>
+          <a:stretch>
+            <a:fillRect/>
+          </a:stretch>
+        </p:blipFill>
+        <p:spPr>
+          <a:xfrm>
+            <a:off x="6863799" y="534171"/>
+            <a:ext cx="4465707" cy="2682472"/>
+          </a:xfrm>
+          <a:prstGeom prst="rect">
+            <a:avLst/>
+          </a:prstGeom>
+        </p:spPr>
+      </p:pic>
+      <p:pic>
+        <p:nvPicPr>
+          <p:cNvPr id="16" name="图片 15">
+            <a:extLst>
+              <a:ext uri="{FF2B5EF4-FFF2-40B4-BE49-F238E27FC236}">
+                <a16:creationId xmlns:a16="http://schemas.microsoft.com/office/drawing/2014/main" id="{AA0C53E8-7CD2-AAFA-B27F-3ADB7DF416B6}"/>
+              </a:ext>
+            </a:extLst>
+          </p:cNvPr>
+          <p:cNvPicPr>
+            <a:picLocks noChangeAspect="1"/>
+          </p:cNvPicPr>
+          <p:nvPr/>
+        </p:nvPicPr>
+        <p:blipFill>
+          <a:blip r:embed="rId4"/>
+          <a:stretch>
+            <a:fillRect/>
+          </a:stretch>
+        </p:blipFill>
+        <p:spPr>
+          <a:xfrm>
+            <a:off x="3878388" y="3429000"/>
+            <a:ext cx="4435224" cy="2651990"/>
+          </a:xfrm>
+          <a:prstGeom prst="rect">
+            <a:avLst/>
+          </a:prstGeom>
+        </p:spPr>
+      </p:pic>
+    </p:spTree>
+    <p:extLst>
+      <p:ext uri="{BB962C8B-B14F-4D97-AF65-F5344CB8AC3E}">
+        <p14:creationId xmlns:p14="http://schemas.microsoft.com/office/powerpoint/2010/main" val="253621584"/>
+      </p:ext>
+    </p:extLst>
+  </p:cSld>
+  <p:clrMapOvr>
+    <a:masterClrMapping/>
+  </p:clrMapOvr>
+</p:sld>
+</file>
+
+<file path=ppt/slides/slide22.xml><?xml version="1.0" encoding="utf-8"?>
+<p:sld xmlns:a="http://schemas.openxmlformats.org/drawingml/2006/main" xmlns:r="http://schemas.openxmlformats.org/officeDocument/2006/relationships" xmlns:p="http://schemas.openxmlformats.org/presentationml/2006/main">
+  <p:cSld>
+    <p:spTree>
+      <p:nvGrpSpPr>
+        <p:cNvPr id="1" name=""/>
+        <p:cNvGrpSpPr/>
+        <p:nvPr/>
+      </p:nvGrpSpPr>
+      <p:grpSpPr>
+        <a:xfrm>
+          <a:off x="0" y="0"/>
+          <a:ext cx="0" cy="0"/>
+          <a:chOff x="0" y="0"/>
+          <a:chExt cx="0" cy="0"/>
+        </a:xfrm>
+      </p:grpSpPr>
+      <p:sp>
+        <p:nvSpPr>
+          <p:cNvPr id="4" name="标题 3">
+            <a:extLst>
+              <a:ext uri="{FF2B5EF4-FFF2-40B4-BE49-F238E27FC236}">
+                <a16:creationId xmlns:a16="http://schemas.microsoft.com/office/drawing/2014/main" id="{0EE8D7BB-E33D-A97D-2EA0-6F19A2983A85}"/>
+              </a:ext>
+            </a:extLst>
+          </p:cNvPr>
+          <p:cNvSpPr>
+            <a:spLocks noGrp="1"/>
+          </p:cNvSpPr>
+          <p:nvPr>
+            <p:ph type="ctrTitle"/>
+          </p:nvPr>
+        </p:nvSpPr>
+        <p:spPr/>
+        <p:txBody>
+          <a:bodyPr/>
+          <a:lstStyle/>
+          <a:p>
+            <a:r>
+              <a:rPr lang="en-US" altLang="zh-CN" b="1" dirty="0"/>
+              <a:t>Thanks!</a:t>
+            </a:r>
+            <a:endParaRPr lang="zh-CN" altLang="en-US" b="1" dirty="0"/>
+          </a:p>
+        </p:txBody>
+      </p:sp>
+      <p:sp>
+        <p:nvSpPr>
+          <p:cNvPr id="5" name="副标题 4">
+            <a:extLst>
+              <a:ext uri="{FF2B5EF4-FFF2-40B4-BE49-F238E27FC236}">
+                <a16:creationId xmlns:a16="http://schemas.microsoft.com/office/drawing/2014/main" id="{EC1D05BD-7962-D658-5504-F439EEB62439}"/>
+              </a:ext>
+            </a:extLst>
+          </p:cNvPr>
+          <p:cNvSpPr>
+            <a:spLocks noGrp="1"/>
+          </p:cNvSpPr>
+          <p:nvPr>
+            <p:ph type="subTitle" idx="1"/>
+          </p:nvPr>
+        </p:nvSpPr>
+        <p:spPr/>
+        <p:txBody>
+          <a:bodyPr/>
+          <a:lstStyle/>
+          <a:p>
+            <a:endParaRPr lang="zh-CN" altLang="en-US"/>
+          </a:p>
+        </p:txBody>
+      </p:sp>
+    </p:spTree>
+    <p:extLst>
+      <p:ext uri="{BB962C8B-B14F-4D97-AF65-F5344CB8AC3E}">
+        <p14:creationId xmlns:p14="http://schemas.microsoft.com/office/powerpoint/2010/main" val="23061861"/>
       </p:ext>
     </p:extLst>
   </p:cSld>
